--- a/Project 3.pptx
+++ b/Project 3.pptx
@@ -3464,7 +3464,7 @@
             <a:endParaRPr lang="en-US" dirty="0"/>
           </a:p>
           <a:p>
-            <a:endParaRPr lang="en-US"/>
+            <a:endParaRPr lang="en-US" dirty="0"/>
           </a:p>
           <a:p>
             <a:endParaRPr lang="en-US" dirty="0"/>
@@ -6604,10 +6604,10 @@
       </p:sp>
       <p:sp>
         <p:nvSpPr>
-          <p:cNvPr id="12" name="Rounded Rectangle 11">
-            <a:extLst>
-              <a:ext uri="{FF2B5EF4-FFF2-40B4-BE49-F238E27FC236}">
-                <a16:creationId xmlns:a16="http://schemas.microsoft.com/office/drawing/2014/main" id="{065616F9-2BE3-9D42-AEC1-4EBC5F997506}"/>
+          <p:cNvPr id="13" name="Rounded Rectangle 12">
+            <a:extLst>
+              <a:ext uri="{FF2B5EF4-FFF2-40B4-BE49-F238E27FC236}">
+                <a16:creationId xmlns:a16="http://schemas.microsoft.com/office/drawing/2014/main" id="{FC5E569D-A8F8-2F44-BA5F-E597C26AC500}"/>
               </a:ext>
             </a:extLst>
           </p:cNvPr>
@@ -6616,8 +6616,183 @@
         </p:nvSpPr>
         <p:spPr>
           <a:xfrm>
-            <a:off x="7269893" y="2265063"/>
-            <a:ext cx="3768810" cy="1660622"/>
+            <a:off x="6429634" y="979272"/>
+            <a:ext cx="5449329" cy="979272"/>
+          </a:xfrm>
+          <a:prstGeom prst="roundRect">
+            <a:avLst/>
+          </a:prstGeom>
+          <a:solidFill>
+            <a:schemeClr val="accent2"/>
+          </a:solidFill>
+        </p:spPr>
+        <p:style>
+          <a:lnRef idx="2">
+            <a:schemeClr val="accent1">
+              <a:shade val="50000"/>
+            </a:schemeClr>
+          </a:lnRef>
+          <a:fillRef idx="1">
+            <a:schemeClr val="accent1"/>
+          </a:fillRef>
+          <a:effectRef idx="0">
+            <a:schemeClr val="accent1"/>
+          </a:effectRef>
+          <a:fontRef idx="minor">
+            <a:schemeClr val="lt1"/>
+          </a:fontRef>
+        </p:style>
+        <p:txBody>
+          <a:bodyPr rtlCol="0" anchor="ctr"/>
+          <a:lstStyle/>
+          <a:p>
+            <a:pPr algn="ctr"/>
+            <a:r>
+              <a:rPr lang="en-US" dirty="0"/>
+              <a:t>Header</a:t>
+            </a:r>
+          </a:p>
+        </p:txBody>
+      </p:sp>
+      <p:sp>
+        <p:nvSpPr>
+          <p:cNvPr id="6" name="Rectangle 5">
+            <a:extLst>
+              <a:ext uri="{FF2B5EF4-FFF2-40B4-BE49-F238E27FC236}">
+                <a16:creationId xmlns:a16="http://schemas.microsoft.com/office/drawing/2014/main" id="{1E68D5B2-A71E-2A47-87D5-0AE79F56941E}"/>
+              </a:ext>
+            </a:extLst>
+          </p:cNvPr>
+          <p:cNvSpPr/>
+          <p:nvPr/>
+        </p:nvSpPr>
+        <p:spPr>
+          <a:xfrm>
+            <a:off x="6623222" y="1207643"/>
+            <a:ext cx="1878227" cy="567390"/>
+          </a:xfrm>
+          <a:prstGeom prst="rect">
+            <a:avLst/>
+          </a:prstGeom>
+        </p:spPr>
+        <p:style>
+          <a:lnRef idx="2">
+            <a:schemeClr val="accent1">
+              <a:shade val="50000"/>
+            </a:schemeClr>
+          </a:lnRef>
+          <a:fillRef idx="1">
+            <a:schemeClr val="accent1"/>
+          </a:fillRef>
+          <a:effectRef idx="0">
+            <a:schemeClr val="accent1"/>
+          </a:effectRef>
+          <a:fontRef idx="minor">
+            <a:schemeClr val="lt1"/>
+          </a:fontRef>
+        </p:style>
+        <p:txBody>
+          <a:bodyPr rtlCol="0" anchor="ctr"/>
+          <a:lstStyle/>
+          <a:p>
+            <a:pPr algn="ctr"/>
+            <a:r>
+              <a:rPr lang="en-US" dirty="0"/>
+              <a:t>Logo &amp; Site Title</a:t>
+            </a:r>
+          </a:p>
+        </p:txBody>
+      </p:sp>
+      <p:sp>
+        <p:nvSpPr>
+          <p:cNvPr id="14" name="Rounded Rectangle 13">
+            <a:extLst>
+              <a:ext uri="{FF2B5EF4-FFF2-40B4-BE49-F238E27FC236}">
+                <a16:creationId xmlns:a16="http://schemas.microsoft.com/office/drawing/2014/main" id="{22C0DB47-22C9-4645-A00E-CFF6AAB46003}"/>
+              </a:ext>
+            </a:extLst>
+          </p:cNvPr>
+          <p:cNvSpPr/>
+          <p:nvPr/>
+        </p:nvSpPr>
+        <p:spPr>
+          <a:xfrm>
+            <a:off x="6429633" y="5389092"/>
+            <a:ext cx="5449329" cy="979272"/>
+          </a:xfrm>
+          <a:prstGeom prst="roundRect">
+            <a:avLst/>
+          </a:prstGeom>
+          <a:solidFill>
+            <a:schemeClr val="accent2"/>
+          </a:solidFill>
+        </p:spPr>
+        <p:style>
+          <a:lnRef idx="2">
+            <a:schemeClr val="accent1">
+              <a:shade val="50000"/>
+            </a:schemeClr>
+          </a:lnRef>
+          <a:fillRef idx="1">
+            <a:schemeClr val="accent1"/>
+          </a:fillRef>
+          <a:effectRef idx="0">
+            <a:schemeClr val="accent1"/>
+          </a:effectRef>
+          <a:fontRef idx="minor">
+            <a:schemeClr val="lt1"/>
+          </a:fontRef>
+        </p:style>
+        <p:txBody>
+          <a:bodyPr rtlCol="0" anchor="ctr"/>
+          <a:lstStyle/>
+          <a:p>
+            <a:pPr algn="ctr"/>
+            <a:r>
+              <a:rPr lang="en-US" dirty="0"/>
+              <a:t>Footer</a:t>
+            </a:r>
+          </a:p>
+          <a:p>
+            <a:pPr algn="ctr"/>
+            <a:r>
+              <a:rPr lang="en-US" dirty="0"/>
+              <a:t>return to list (link)</a:t>
+            </a:r>
+          </a:p>
+          <a:p>
+            <a:pPr algn="ctr"/>
+            <a:r>
+              <a:rPr lang="en-US" dirty="0"/>
+              <a:t>socials links/logos (</a:t>
+            </a:r>
+            <a:r>
+              <a:rPr lang="en-US" dirty="0" err="1"/>
+              <a:t>CaseyBook</a:t>
+            </a:r>
+            <a:r>
+              <a:rPr lang="en-US" dirty="0"/>
+              <a:t>)</a:t>
+            </a:r>
+          </a:p>
+        </p:txBody>
+      </p:sp>
+      <p:sp>
+        <p:nvSpPr>
+          <p:cNvPr id="12" name="Rounded Rectangle 11">
+            <a:extLst>
+              <a:ext uri="{FF2B5EF4-FFF2-40B4-BE49-F238E27FC236}">
+                <a16:creationId xmlns:a16="http://schemas.microsoft.com/office/drawing/2014/main" id="{065616F9-2BE3-9D42-AEC1-4EBC5F997506}"/>
+              </a:ext>
+            </a:extLst>
+          </p:cNvPr>
+          <p:cNvSpPr/>
+          <p:nvPr/>
+        </p:nvSpPr>
+        <p:spPr>
+          <a:xfrm>
+            <a:off x="8981303" y="1092142"/>
+            <a:ext cx="2747319" cy="231001"/>
           </a:xfrm>
           <a:prstGeom prst="roundRect">
             <a:avLst/>
@@ -6650,206 +6825,10 @@
           <a:p>
             <a:pPr algn="ctr"/>
             <a:r>
-              <a:rPr lang="en-US" dirty="0"/>
-              <a:t>Nav:</a:t>
-            </a:r>
-          </a:p>
-          <a:p>
-            <a:pPr algn="ctr"/>
-            <a:r>
-              <a:rPr lang="en-US" dirty="0"/>
-              <a:t>Return to movie list (home)</a:t>
-            </a:r>
-          </a:p>
-          <a:p>
-            <a:pPr algn="ctr"/>
-            <a:r>
-              <a:rPr lang="en-US" dirty="0"/>
-              <a:t>Sign in/log in</a:t>
-            </a:r>
-          </a:p>
-          <a:p>
-            <a:pPr algn="ctr"/>
+              <a:rPr lang="en-US" sz="1000" dirty="0"/>
+              <a:t>Nav: Return to movie list (home) | Sign in/log in</a:t>
+            </a:r>
             <a:endParaRPr lang="en-US" dirty="0"/>
-          </a:p>
-          <a:p>
-            <a:pPr algn="ctr"/>
-            <a:endParaRPr lang="en-US" dirty="0"/>
-          </a:p>
-        </p:txBody>
-      </p:sp>
-      <p:sp>
-        <p:nvSpPr>
-          <p:cNvPr id="13" name="Rounded Rectangle 12">
-            <a:extLst>
-              <a:ext uri="{FF2B5EF4-FFF2-40B4-BE49-F238E27FC236}">
-                <a16:creationId xmlns:a16="http://schemas.microsoft.com/office/drawing/2014/main" id="{FC5E569D-A8F8-2F44-BA5F-E597C26AC500}"/>
-              </a:ext>
-            </a:extLst>
-          </p:cNvPr>
-          <p:cNvSpPr/>
-          <p:nvPr/>
-        </p:nvSpPr>
-        <p:spPr>
-          <a:xfrm>
-            <a:off x="6429634" y="979272"/>
-            <a:ext cx="5449329" cy="979272"/>
-          </a:xfrm>
-          <a:prstGeom prst="roundRect">
-            <a:avLst/>
-          </a:prstGeom>
-          <a:solidFill>
-            <a:schemeClr val="accent2"/>
-          </a:solidFill>
-        </p:spPr>
-        <p:style>
-          <a:lnRef idx="2">
-            <a:schemeClr val="accent1">
-              <a:shade val="50000"/>
-            </a:schemeClr>
-          </a:lnRef>
-          <a:fillRef idx="1">
-            <a:schemeClr val="accent1"/>
-          </a:fillRef>
-          <a:effectRef idx="0">
-            <a:schemeClr val="accent1"/>
-          </a:effectRef>
-          <a:fontRef idx="minor">
-            <a:schemeClr val="lt1"/>
-          </a:fontRef>
-        </p:style>
-        <p:txBody>
-          <a:bodyPr rtlCol="0" anchor="ctr"/>
-          <a:lstStyle/>
-          <a:p>
-            <a:pPr algn="ctr"/>
-            <a:r>
-              <a:rPr lang="en-US" dirty="0"/>
-              <a:t>Header</a:t>
-            </a:r>
-          </a:p>
-        </p:txBody>
-      </p:sp>
-      <p:sp>
-        <p:nvSpPr>
-          <p:cNvPr id="6" name="Rectangle 5">
-            <a:extLst>
-              <a:ext uri="{FF2B5EF4-FFF2-40B4-BE49-F238E27FC236}">
-                <a16:creationId xmlns:a16="http://schemas.microsoft.com/office/drawing/2014/main" id="{1E68D5B2-A71E-2A47-87D5-0AE79F56941E}"/>
-              </a:ext>
-            </a:extLst>
-          </p:cNvPr>
-          <p:cNvSpPr/>
-          <p:nvPr/>
-        </p:nvSpPr>
-        <p:spPr>
-          <a:xfrm>
-            <a:off x="6623222" y="1207643"/>
-            <a:ext cx="1878227" cy="567390"/>
-          </a:xfrm>
-          <a:prstGeom prst="rect">
-            <a:avLst/>
-          </a:prstGeom>
-        </p:spPr>
-        <p:style>
-          <a:lnRef idx="2">
-            <a:schemeClr val="accent1">
-              <a:shade val="50000"/>
-            </a:schemeClr>
-          </a:lnRef>
-          <a:fillRef idx="1">
-            <a:schemeClr val="accent1"/>
-          </a:fillRef>
-          <a:effectRef idx="0">
-            <a:schemeClr val="accent1"/>
-          </a:effectRef>
-          <a:fontRef idx="minor">
-            <a:schemeClr val="lt1"/>
-          </a:fontRef>
-        </p:style>
-        <p:txBody>
-          <a:bodyPr rtlCol="0" anchor="ctr"/>
-          <a:lstStyle/>
-          <a:p>
-            <a:pPr algn="ctr"/>
-            <a:r>
-              <a:rPr lang="en-US" dirty="0"/>
-              <a:t>Logo &amp; Site Title</a:t>
-            </a:r>
-          </a:p>
-        </p:txBody>
-      </p:sp>
-      <p:sp>
-        <p:nvSpPr>
-          <p:cNvPr id="14" name="Rounded Rectangle 13">
-            <a:extLst>
-              <a:ext uri="{FF2B5EF4-FFF2-40B4-BE49-F238E27FC236}">
-                <a16:creationId xmlns:a16="http://schemas.microsoft.com/office/drawing/2014/main" id="{22C0DB47-22C9-4645-A00E-CFF6AAB46003}"/>
-              </a:ext>
-            </a:extLst>
-          </p:cNvPr>
-          <p:cNvSpPr/>
-          <p:nvPr/>
-        </p:nvSpPr>
-        <p:spPr>
-          <a:xfrm>
-            <a:off x="6429633" y="5389092"/>
-            <a:ext cx="5449329" cy="979272"/>
-          </a:xfrm>
-          <a:prstGeom prst="roundRect">
-            <a:avLst/>
-          </a:prstGeom>
-          <a:solidFill>
-            <a:schemeClr val="accent2"/>
-          </a:solidFill>
-        </p:spPr>
-        <p:style>
-          <a:lnRef idx="2">
-            <a:schemeClr val="accent1">
-              <a:shade val="50000"/>
-            </a:schemeClr>
-          </a:lnRef>
-          <a:fillRef idx="1">
-            <a:schemeClr val="accent1"/>
-          </a:fillRef>
-          <a:effectRef idx="0">
-            <a:schemeClr val="accent1"/>
-          </a:effectRef>
-          <a:fontRef idx="minor">
-            <a:schemeClr val="lt1"/>
-          </a:fontRef>
-        </p:style>
-        <p:txBody>
-          <a:bodyPr rtlCol="0" anchor="ctr"/>
-          <a:lstStyle/>
-          <a:p>
-            <a:pPr algn="ctr"/>
-            <a:r>
-              <a:rPr lang="en-US" dirty="0"/>
-              <a:t>Footer</a:t>
-            </a:r>
-          </a:p>
-          <a:p>
-            <a:pPr algn="ctr"/>
-            <a:r>
-              <a:rPr lang="en-US" dirty="0"/>
-              <a:t>return to list (link)</a:t>
-            </a:r>
-          </a:p>
-          <a:p>
-            <a:pPr algn="ctr"/>
-            <a:r>
-              <a:rPr lang="en-US" dirty="0"/>
-              <a:t>socials links/logos (</a:t>
-            </a:r>
-            <a:r>
-              <a:rPr lang="en-US" dirty="0" err="1"/>
-              <a:t>CaseyBook</a:t>
-            </a:r>
-            <a:r>
-              <a:rPr lang="en-US" dirty="0"/>
-              <a:t>)</a:t>
-            </a:r>
           </a:p>
         </p:txBody>
       </p:sp>

--- a/Project 3.pptx
+++ b/Project 3.pptx
@@ -9,7 +9,11 @@
     <p:sldId id="257" r:id="rId3"/>
     <p:sldId id="258" r:id="rId4"/>
     <p:sldId id="259" r:id="rId5"/>
-    <p:sldId id="260" r:id="rId6"/>
+    <p:sldId id="263" r:id="rId6"/>
+    <p:sldId id="260" r:id="rId7"/>
+    <p:sldId id="264" r:id="rId8"/>
+    <p:sldId id="261" r:id="rId9"/>
+    <p:sldId id="262" r:id="rId10"/>
   </p:sldIdLst>
   <p:sldSz cx="12192000" cy="6858000"/>
   <p:notesSz cx="6858000" cy="9144000"/>
@@ -6260,6 +6264,904 @@
       </p:grpSpPr>
       <p:sp>
         <p:nvSpPr>
+          <p:cNvPr id="4" name="Rounded Rectangle 3">
+            <a:extLst>
+              <a:ext uri="{FF2B5EF4-FFF2-40B4-BE49-F238E27FC236}">
+                <a16:creationId xmlns:a16="http://schemas.microsoft.com/office/drawing/2014/main" id="{B7C0C383-6E45-5D49-9376-8D40DFA55F0B}"/>
+              </a:ext>
+            </a:extLst>
+          </p:cNvPr>
+          <p:cNvSpPr/>
+          <p:nvPr/>
+        </p:nvSpPr>
+        <p:spPr>
+          <a:xfrm>
+            <a:off x="2582562" y="0"/>
+            <a:ext cx="7315199" cy="6858000"/>
+          </a:xfrm>
+          <a:prstGeom prst="roundRect">
+            <a:avLst/>
+          </a:prstGeom>
+          <a:solidFill>
+            <a:schemeClr val="accent4">
+              <a:lumMod val="75000"/>
+            </a:schemeClr>
+          </a:solidFill>
+        </p:spPr>
+        <p:style>
+          <a:lnRef idx="2">
+            <a:schemeClr val="accent1">
+              <a:shade val="50000"/>
+            </a:schemeClr>
+          </a:lnRef>
+          <a:fillRef idx="1">
+            <a:schemeClr val="accent1"/>
+          </a:fillRef>
+          <a:effectRef idx="0">
+            <a:schemeClr val="accent1"/>
+          </a:effectRef>
+          <a:fontRef idx="minor">
+            <a:schemeClr val="lt1"/>
+          </a:fontRef>
+        </p:style>
+        <p:txBody>
+          <a:bodyPr rtlCol="0" anchor="t" anchorCtr="0"/>
+          <a:lstStyle/>
+          <a:p>
+            <a:pPr algn="ctr"/>
+            <a:r>
+              <a:rPr lang="en-US" dirty="0" err="1"/>
+              <a:t>MovieDetail</a:t>
+            </a:r>
+            <a:r>
+              <a:rPr lang="en-US" dirty="0"/>
+              <a:t>:</a:t>
+            </a:r>
+          </a:p>
+          <a:p>
+            <a:pPr algn="ctr"/>
+            <a:endParaRPr lang="en-US" dirty="0"/>
+          </a:p>
+        </p:txBody>
+      </p:sp>
+      <p:sp>
+        <p:nvSpPr>
+          <p:cNvPr id="5" name="Rectangle 4">
+            <a:extLst>
+              <a:ext uri="{FF2B5EF4-FFF2-40B4-BE49-F238E27FC236}">
+                <a16:creationId xmlns:a16="http://schemas.microsoft.com/office/drawing/2014/main" id="{B72083B7-67AF-CD4B-AC29-EADD30B6FDA0}"/>
+              </a:ext>
+            </a:extLst>
+          </p:cNvPr>
+          <p:cNvSpPr/>
+          <p:nvPr/>
+        </p:nvSpPr>
+        <p:spPr>
+          <a:xfrm>
+            <a:off x="5107945" y="2317295"/>
+            <a:ext cx="2998087" cy="1111698"/>
+          </a:xfrm>
+          <a:prstGeom prst="rect">
+            <a:avLst/>
+          </a:prstGeom>
+        </p:spPr>
+        <p:style>
+          <a:lnRef idx="2">
+            <a:schemeClr val="accent1">
+              <a:shade val="50000"/>
+            </a:schemeClr>
+          </a:lnRef>
+          <a:fillRef idx="1">
+            <a:schemeClr val="accent1"/>
+          </a:fillRef>
+          <a:effectRef idx="0">
+            <a:schemeClr val="accent1"/>
+          </a:effectRef>
+          <a:fontRef idx="minor">
+            <a:schemeClr val="lt1"/>
+          </a:fontRef>
+        </p:style>
+        <p:txBody>
+          <a:bodyPr rtlCol="0" anchor="ctr"/>
+          <a:lstStyle/>
+          <a:p>
+            <a:pPr algn="ctr"/>
+            <a:r>
+              <a:rPr lang="en-US" dirty="0"/>
+              <a:t>Short plot</a:t>
+            </a:r>
+          </a:p>
+        </p:txBody>
+      </p:sp>
+      <p:sp>
+        <p:nvSpPr>
+          <p:cNvPr id="6" name="Rectangle 5">
+            <a:extLst>
+              <a:ext uri="{FF2B5EF4-FFF2-40B4-BE49-F238E27FC236}">
+                <a16:creationId xmlns:a16="http://schemas.microsoft.com/office/drawing/2014/main" id="{D16D2482-8A0A-A34D-A624-75DCCCE58D44}"/>
+              </a:ext>
+            </a:extLst>
+          </p:cNvPr>
+          <p:cNvSpPr/>
+          <p:nvPr/>
+        </p:nvSpPr>
+        <p:spPr>
+          <a:xfrm>
+            <a:off x="3335644" y="4413582"/>
+            <a:ext cx="2587088" cy="473948"/>
+          </a:xfrm>
+          <a:prstGeom prst="rect">
+            <a:avLst/>
+          </a:prstGeom>
+        </p:spPr>
+        <p:style>
+          <a:lnRef idx="2">
+            <a:schemeClr val="accent1">
+              <a:shade val="50000"/>
+            </a:schemeClr>
+          </a:lnRef>
+          <a:fillRef idx="1">
+            <a:schemeClr val="accent1"/>
+          </a:fillRef>
+          <a:effectRef idx="0">
+            <a:schemeClr val="accent1"/>
+          </a:effectRef>
+          <a:fontRef idx="minor">
+            <a:schemeClr val="lt1"/>
+          </a:fontRef>
+        </p:style>
+        <p:txBody>
+          <a:bodyPr rtlCol="0" anchor="ctr"/>
+          <a:lstStyle/>
+          <a:p>
+            <a:pPr algn="ctr"/>
+            <a:r>
+              <a:rPr lang="en-US" dirty="0" err="1"/>
+              <a:t>imdb</a:t>
+            </a:r>
+            <a:r>
+              <a:rPr lang="en-US" dirty="0"/>
+              <a:t> and other ratings</a:t>
+            </a:r>
+          </a:p>
+        </p:txBody>
+      </p:sp>
+      <p:sp>
+        <p:nvSpPr>
+          <p:cNvPr id="7" name="Rectangle 6">
+            <a:extLst>
+              <a:ext uri="{FF2B5EF4-FFF2-40B4-BE49-F238E27FC236}">
+                <a16:creationId xmlns:a16="http://schemas.microsoft.com/office/drawing/2014/main" id="{E9FA3F23-F491-2C45-A29B-CD28E27729BC}"/>
+              </a:ext>
+            </a:extLst>
+          </p:cNvPr>
+          <p:cNvSpPr/>
+          <p:nvPr/>
+        </p:nvSpPr>
+        <p:spPr>
+          <a:xfrm>
+            <a:off x="4246198" y="1811200"/>
+            <a:ext cx="820073" cy="249950"/>
+          </a:xfrm>
+          <a:prstGeom prst="rect">
+            <a:avLst/>
+          </a:prstGeom>
+        </p:spPr>
+        <p:style>
+          <a:lnRef idx="2">
+            <a:schemeClr val="accent1">
+              <a:shade val="50000"/>
+            </a:schemeClr>
+          </a:lnRef>
+          <a:fillRef idx="1">
+            <a:schemeClr val="accent1"/>
+          </a:fillRef>
+          <a:effectRef idx="0">
+            <a:schemeClr val="accent1"/>
+          </a:effectRef>
+          <a:fontRef idx="minor">
+            <a:schemeClr val="lt1"/>
+          </a:fontRef>
+        </p:style>
+        <p:txBody>
+          <a:bodyPr rtlCol="0" anchor="ctr" anchorCtr="0"/>
+          <a:lstStyle/>
+          <a:p>
+            <a:pPr algn="ctr"/>
+            <a:r>
+              <a:rPr lang="en-US" sz="1000" dirty="0"/>
+              <a:t>run time</a:t>
+            </a:r>
+          </a:p>
+        </p:txBody>
+      </p:sp>
+      <p:sp>
+        <p:nvSpPr>
+          <p:cNvPr id="8" name="Rectangle 7">
+            <a:extLst>
+              <a:ext uri="{FF2B5EF4-FFF2-40B4-BE49-F238E27FC236}">
+                <a16:creationId xmlns:a16="http://schemas.microsoft.com/office/drawing/2014/main" id="{66EEFE75-AC1B-D94B-91BA-09707891B1AB}"/>
+              </a:ext>
+            </a:extLst>
+          </p:cNvPr>
+          <p:cNvSpPr/>
+          <p:nvPr/>
+        </p:nvSpPr>
+        <p:spPr>
+          <a:xfrm>
+            <a:off x="3335644" y="2317295"/>
+            <a:ext cx="1603831" cy="2003338"/>
+          </a:xfrm>
+          <a:prstGeom prst="rect">
+            <a:avLst/>
+          </a:prstGeom>
+        </p:spPr>
+        <p:style>
+          <a:lnRef idx="2">
+            <a:schemeClr val="accent1">
+              <a:shade val="50000"/>
+            </a:schemeClr>
+          </a:lnRef>
+          <a:fillRef idx="1">
+            <a:schemeClr val="accent1"/>
+          </a:fillRef>
+          <a:effectRef idx="0">
+            <a:schemeClr val="accent1"/>
+          </a:effectRef>
+          <a:fontRef idx="minor">
+            <a:schemeClr val="lt1"/>
+          </a:fontRef>
+        </p:style>
+        <p:txBody>
+          <a:bodyPr rtlCol="0" anchor="ctr"/>
+          <a:lstStyle/>
+          <a:p>
+            <a:pPr algn="ctr"/>
+            <a:r>
+              <a:rPr lang="en-US" dirty="0"/>
+              <a:t>image</a:t>
+            </a:r>
+          </a:p>
+        </p:txBody>
+      </p:sp>
+      <p:sp>
+        <p:nvSpPr>
+          <p:cNvPr id="9" name="Rectangle 8">
+            <a:extLst>
+              <a:ext uri="{FF2B5EF4-FFF2-40B4-BE49-F238E27FC236}">
+                <a16:creationId xmlns:a16="http://schemas.microsoft.com/office/drawing/2014/main" id="{C278AEFB-04E6-5B47-B5E3-D23B0E1FDFB9}"/>
+              </a:ext>
+            </a:extLst>
+          </p:cNvPr>
+          <p:cNvSpPr/>
+          <p:nvPr/>
+        </p:nvSpPr>
+        <p:spPr>
+          <a:xfrm>
+            <a:off x="5107945" y="3521942"/>
+            <a:ext cx="2998087" cy="798691"/>
+          </a:xfrm>
+          <a:prstGeom prst="rect">
+            <a:avLst/>
+          </a:prstGeom>
+        </p:spPr>
+        <p:style>
+          <a:lnRef idx="2">
+            <a:schemeClr val="accent1">
+              <a:shade val="50000"/>
+            </a:schemeClr>
+          </a:lnRef>
+          <a:fillRef idx="1">
+            <a:schemeClr val="accent1"/>
+          </a:fillRef>
+          <a:effectRef idx="0">
+            <a:schemeClr val="accent1"/>
+          </a:effectRef>
+          <a:fontRef idx="minor">
+            <a:schemeClr val="lt1"/>
+          </a:fontRef>
+        </p:style>
+        <p:txBody>
+          <a:bodyPr rtlCol="0" anchor="ctr"/>
+          <a:lstStyle/>
+          <a:p>
+            <a:pPr algn="ctr"/>
+            <a:r>
+              <a:rPr lang="en-US" dirty="0"/>
+              <a:t>Long plot</a:t>
+            </a:r>
+          </a:p>
+        </p:txBody>
+      </p:sp>
+      <p:sp>
+        <p:nvSpPr>
+          <p:cNvPr id="10" name="Rectangle 9">
+            <a:extLst>
+              <a:ext uri="{FF2B5EF4-FFF2-40B4-BE49-F238E27FC236}">
+                <a16:creationId xmlns:a16="http://schemas.microsoft.com/office/drawing/2014/main" id="{20E44E3E-1934-A242-BA0A-CAB93EEC9CD2}"/>
+              </a:ext>
+            </a:extLst>
+          </p:cNvPr>
+          <p:cNvSpPr/>
+          <p:nvPr/>
+        </p:nvSpPr>
+        <p:spPr>
+          <a:xfrm>
+            <a:off x="3335645" y="1357614"/>
+            <a:ext cx="1603831" cy="424368"/>
+          </a:xfrm>
+          <a:prstGeom prst="rect">
+            <a:avLst/>
+          </a:prstGeom>
+        </p:spPr>
+        <p:style>
+          <a:lnRef idx="2">
+            <a:schemeClr val="accent1">
+              <a:shade val="50000"/>
+            </a:schemeClr>
+          </a:lnRef>
+          <a:fillRef idx="1">
+            <a:schemeClr val="accent1"/>
+          </a:fillRef>
+          <a:effectRef idx="0">
+            <a:schemeClr val="accent1"/>
+          </a:effectRef>
+          <a:fontRef idx="minor">
+            <a:schemeClr val="lt1"/>
+          </a:fontRef>
+        </p:style>
+        <p:txBody>
+          <a:bodyPr rtlCol="0" anchor="ctr"/>
+          <a:lstStyle/>
+          <a:p>
+            <a:pPr algn="ctr"/>
+            <a:r>
+              <a:rPr lang="en-US" dirty="0"/>
+              <a:t>Title</a:t>
+            </a:r>
+          </a:p>
+        </p:txBody>
+      </p:sp>
+      <p:cxnSp>
+        <p:nvCxnSpPr>
+          <p:cNvPr id="12" name="Straight Connector 11">
+            <a:extLst>
+              <a:ext uri="{FF2B5EF4-FFF2-40B4-BE49-F238E27FC236}">
+                <a16:creationId xmlns:a16="http://schemas.microsoft.com/office/drawing/2014/main" id="{82C70CB8-6D48-3B40-8FD3-CB6C9DAFF51D}"/>
+              </a:ext>
+            </a:extLst>
+          </p:cNvPr>
+          <p:cNvCxnSpPr/>
+          <p:nvPr/>
+        </p:nvCxnSpPr>
+        <p:spPr>
+          <a:xfrm>
+            <a:off x="3335645" y="2189222"/>
+            <a:ext cx="5725848" cy="0"/>
+          </a:xfrm>
+          <a:prstGeom prst="line">
+            <a:avLst/>
+          </a:prstGeom>
+          <a:ln w="19050"/>
+        </p:spPr>
+        <p:style>
+          <a:lnRef idx="1">
+            <a:schemeClr val="accent1"/>
+          </a:lnRef>
+          <a:fillRef idx="0">
+            <a:schemeClr val="accent1"/>
+          </a:fillRef>
+          <a:effectRef idx="0">
+            <a:schemeClr val="accent1"/>
+          </a:effectRef>
+          <a:fontRef idx="minor">
+            <a:schemeClr val="tx1"/>
+          </a:fontRef>
+        </p:style>
+      </p:cxnSp>
+      <p:sp>
+        <p:nvSpPr>
+          <p:cNvPr id="13" name="Rectangle 12">
+            <a:extLst>
+              <a:ext uri="{FF2B5EF4-FFF2-40B4-BE49-F238E27FC236}">
+                <a16:creationId xmlns:a16="http://schemas.microsoft.com/office/drawing/2014/main" id="{A421B142-0ABB-A145-B29A-657A3CB57A46}"/>
+              </a:ext>
+            </a:extLst>
+          </p:cNvPr>
+          <p:cNvSpPr/>
+          <p:nvPr/>
+        </p:nvSpPr>
+        <p:spPr>
+          <a:xfrm>
+            <a:off x="3335645" y="1811200"/>
+            <a:ext cx="820073" cy="249950"/>
+          </a:xfrm>
+          <a:prstGeom prst="rect">
+            <a:avLst/>
+          </a:prstGeom>
+        </p:spPr>
+        <p:style>
+          <a:lnRef idx="2">
+            <a:schemeClr val="accent1">
+              <a:shade val="50000"/>
+            </a:schemeClr>
+          </a:lnRef>
+          <a:fillRef idx="1">
+            <a:schemeClr val="accent1"/>
+          </a:fillRef>
+          <a:effectRef idx="0">
+            <a:schemeClr val="accent1"/>
+          </a:effectRef>
+          <a:fontRef idx="minor">
+            <a:schemeClr val="lt1"/>
+          </a:fontRef>
+        </p:style>
+        <p:txBody>
+          <a:bodyPr rtlCol="0" anchor="ctr" anchorCtr="0"/>
+          <a:lstStyle/>
+          <a:p>
+            <a:pPr algn="ctr"/>
+            <a:r>
+              <a:rPr lang="en-US" sz="1000" dirty="0"/>
+              <a:t>rating</a:t>
+            </a:r>
+          </a:p>
+        </p:txBody>
+      </p:sp>
+      <p:sp>
+        <p:nvSpPr>
+          <p:cNvPr id="14" name="Rectangle 13">
+            <a:extLst>
+              <a:ext uri="{FF2B5EF4-FFF2-40B4-BE49-F238E27FC236}">
+                <a16:creationId xmlns:a16="http://schemas.microsoft.com/office/drawing/2014/main" id="{93FE1DAB-E676-7248-A674-D75AD3919254}"/>
+              </a:ext>
+            </a:extLst>
+          </p:cNvPr>
+          <p:cNvSpPr/>
+          <p:nvPr/>
+        </p:nvSpPr>
+        <p:spPr>
+          <a:xfrm>
+            <a:off x="5156751" y="1811200"/>
+            <a:ext cx="820073" cy="249950"/>
+          </a:xfrm>
+          <a:prstGeom prst="rect">
+            <a:avLst/>
+          </a:prstGeom>
+        </p:spPr>
+        <p:style>
+          <a:lnRef idx="2">
+            <a:schemeClr val="accent1">
+              <a:shade val="50000"/>
+            </a:schemeClr>
+          </a:lnRef>
+          <a:fillRef idx="1">
+            <a:schemeClr val="accent1"/>
+          </a:fillRef>
+          <a:effectRef idx="0">
+            <a:schemeClr val="accent1"/>
+          </a:effectRef>
+          <a:fontRef idx="minor">
+            <a:schemeClr val="lt1"/>
+          </a:fontRef>
+        </p:style>
+        <p:txBody>
+          <a:bodyPr rtlCol="0" anchor="ctr" anchorCtr="0"/>
+          <a:lstStyle/>
+          <a:p>
+            <a:pPr algn="ctr"/>
+            <a:r>
+              <a:rPr lang="en-US" sz="1000" dirty="0"/>
+              <a:t>genre</a:t>
+            </a:r>
+          </a:p>
+        </p:txBody>
+      </p:sp>
+      <p:sp>
+        <p:nvSpPr>
+          <p:cNvPr id="15" name="Rectangle 14">
+            <a:extLst>
+              <a:ext uri="{FF2B5EF4-FFF2-40B4-BE49-F238E27FC236}">
+                <a16:creationId xmlns:a16="http://schemas.microsoft.com/office/drawing/2014/main" id="{07A12FC0-DF0E-3D4A-9B5F-9A435EAB2B50}"/>
+              </a:ext>
+            </a:extLst>
+          </p:cNvPr>
+          <p:cNvSpPr/>
+          <p:nvPr/>
+        </p:nvSpPr>
+        <p:spPr>
+          <a:xfrm>
+            <a:off x="6067304" y="1811200"/>
+            <a:ext cx="820073" cy="249950"/>
+          </a:xfrm>
+          <a:prstGeom prst="rect">
+            <a:avLst/>
+          </a:prstGeom>
+        </p:spPr>
+        <p:style>
+          <a:lnRef idx="2">
+            <a:schemeClr val="accent1">
+              <a:shade val="50000"/>
+            </a:schemeClr>
+          </a:lnRef>
+          <a:fillRef idx="1">
+            <a:schemeClr val="accent1"/>
+          </a:fillRef>
+          <a:effectRef idx="0">
+            <a:schemeClr val="accent1"/>
+          </a:effectRef>
+          <a:fontRef idx="minor">
+            <a:schemeClr val="lt1"/>
+          </a:fontRef>
+        </p:style>
+        <p:txBody>
+          <a:bodyPr rtlCol="0" anchor="ctr" anchorCtr="0"/>
+          <a:lstStyle/>
+          <a:p>
+            <a:pPr algn="ctr"/>
+            <a:r>
+              <a:rPr lang="en-US" sz="1000" dirty="0"/>
+              <a:t>release date</a:t>
+            </a:r>
+          </a:p>
+        </p:txBody>
+      </p:sp>
+      <p:sp>
+        <p:nvSpPr>
+          <p:cNvPr id="16" name="Rectangle 15">
+            <a:extLst>
+              <a:ext uri="{FF2B5EF4-FFF2-40B4-BE49-F238E27FC236}">
+                <a16:creationId xmlns:a16="http://schemas.microsoft.com/office/drawing/2014/main" id="{D9CD4F7A-8C9A-1648-AC87-F2B55EC5CF92}"/>
+              </a:ext>
+            </a:extLst>
+          </p:cNvPr>
+          <p:cNvSpPr/>
+          <p:nvPr/>
+        </p:nvSpPr>
+        <p:spPr>
+          <a:xfrm>
+            <a:off x="7138367" y="3092603"/>
+            <a:ext cx="820073" cy="249950"/>
+          </a:xfrm>
+          <a:prstGeom prst="rect">
+            <a:avLst/>
+          </a:prstGeom>
+          <a:solidFill>
+            <a:schemeClr val="accent6">
+              <a:lumMod val="75000"/>
+            </a:schemeClr>
+          </a:solidFill>
+        </p:spPr>
+        <p:style>
+          <a:lnRef idx="2">
+            <a:schemeClr val="accent1">
+              <a:shade val="50000"/>
+            </a:schemeClr>
+          </a:lnRef>
+          <a:fillRef idx="1">
+            <a:schemeClr val="accent1"/>
+          </a:fillRef>
+          <a:effectRef idx="0">
+            <a:schemeClr val="accent1"/>
+          </a:effectRef>
+          <a:fontRef idx="minor">
+            <a:schemeClr val="lt1"/>
+          </a:fontRef>
+        </p:style>
+        <p:txBody>
+          <a:bodyPr rtlCol="0" anchor="ctr" anchorCtr="0"/>
+          <a:lstStyle/>
+          <a:p>
+            <a:pPr algn="ctr"/>
+            <a:r>
+              <a:rPr lang="en-US" sz="1000" dirty="0"/>
+              <a:t>read more</a:t>
+            </a:r>
+          </a:p>
+        </p:txBody>
+      </p:sp>
+      <p:sp>
+        <p:nvSpPr>
+          <p:cNvPr id="17" name="Line Callout 2 16">
+            <a:extLst>
+              <a:ext uri="{FF2B5EF4-FFF2-40B4-BE49-F238E27FC236}">
+                <a16:creationId xmlns:a16="http://schemas.microsoft.com/office/drawing/2014/main" id="{DAA69F1A-CC3B-504F-BB8F-C7D085D9EF2C}"/>
+              </a:ext>
+            </a:extLst>
+          </p:cNvPr>
+          <p:cNvSpPr/>
+          <p:nvPr/>
+        </p:nvSpPr>
+        <p:spPr>
+          <a:xfrm>
+            <a:off x="9061493" y="1119221"/>
+            <a:ext cx="3092901" cy="691979"/>
+          </a:xfrm>
+          <a:prstGeom prst="borderCallout2">
+            <a:avLst>
+              <a:gd name="adj1" fmla="val 50893"/>
+              <a:gd name="adj2" fmla="val -742"/>
+              <a:gd name="adj3" fmla="val 50893"/>
+              <a:gd name="adj4" fmla="val -12672"/>
+              <a:gd name="adj5" fmla="val 288433"/>
+              <a:gd name="adj6" fmla="val -47850"/>
+            </a:avLst>
+          </a:prstGeom>
+          <a:solidFill>
+            <a:schemeClr val="bg1"/>
+          </a:solidFill>
+          <a:ln w="38100">
+            <a:solidFill>
+              <a:schemeClr val="tx1"/>
+            </a:solidFill>
+            <a:tailEnd type="triangle" w="med" len="lg"/>
+          </a:ln>
+        </p:spPr>
+        <p:style>
+          <a:lnRef idx="2">
+            <a:schemeClr val="accent1">
+              <a:shade val="50000"/>
+            </a:schemeClr>
+          </a:lnRef>
+          <a:fillRef idx="1">
+            <a:schemeClr val="accent1"/>
+          </a:fillRef>
+          <a:effectRef idx="0">
+            <a:schemeClr val="accent1"/>
+          </a:effectRef>
+          <a:fontRef idx="minor">
+            <a:schemeClr val="lt1"/>
+          </a:fontRef>
+        </p:style>
+        <p:txBody>
+          <a:bodyPr rtlCol="0" anchor="ctr" anchorCtr="0"/>
+          <a:lstStyle/>
+          <a:p>
+            <a:pPr algn="ctr"/>
+            <a:r>
+              <a:rPr lang="en-US" dirty="0">
+                <a:solidFill>
+                  <a:schemeClr val="tx1"/>
+                </a:solidFill>
+              </a:rPr>
+              <a:t>click here to re-render this section as Long Plot</a:t>
+            </a:r>
+          </a:p>
+        </p:txBody>
+      </p:sp>
+      <p:sp>
+        <p:nvSpPr>
+          <p:cNvPr id="18" name="Rectangle 17">
+            <a:extLst>
+              <a:ext uri="{FF2B5EF4-FFF2-40B4-BE49-F238E27FC236}">
+                <a16:creationId xmlns:a16="http://schemas.microsoft.com/office/drawing/2014/main" id="{ED2E34E6-2E1A-4140-8367-C45CEFC7A509}"/>
+              </a:ext>
+            </a:extLst>
+          </p:cNvPr>
+          <p:cNvSpPr/>
+          <p:nvPr/>
+        </p:nvSpPr>
+        <p:spPr>
+          <a:xfrm>
+            <a:off x="7138366" y="3954351"/>
+            <a:ext cx="820073" cy="249950"/>
+          </a:xfrm>
+          <a:prstGeom prst="rect">
+            <a:avLst/>
+          </a:prstGeom>
+          <a:solidFill>
+            <a:schemeClr val="accent6">
+              <a:lumMod val="75000"/>
+            </a:schemeClr>
+          </a:solidFill>
+        </p:spPr>
+        <p:style>
+          <a:lnRef idx="2">
+            <a:schemeClr val="accent1">
+              <a:shade val="50000"/>
+            </a:schemeClr>
+          </a:lnRef>
+          <a:fillRef idx="1">
+            <a:schemeClr val="accent1"/>
+          </a:fillRef>
+          <a:effectRef idx="0">
+            <a:schemeClr val="accent1"/>
+          </a:effectRef>
+          <a:fontRef idx="minor">
+            <a:schemeClr val="lt1"/>
+          </a:fontRef>
+        </p:style>
+        <p:txBody>
+          <a:bodyPr rtlCol="0" anchor="ctr" anchorCtr="0"/>
+          <a:lstStyle/>
+          <a:p>
+            <a:pPr algn="ctr"/>
+            <a:r>
+              <a:rPr lang="en-US" sz="1000" dirty="0"/>
+              <a:t>read less</a:t>
+            </a:r>
+          </a:p>
+        </p:txBody>
+      </p:sp>
+      <p:sp>
+        <p:nvSpPr>
+          <p:cNvPr id="19" name="Line Callout 2 18">
+            <a:extLst>
+              <a:ext uri="{FF2B5EF4-FFF2-40B4-BE49-F238E27FC236}">
+                <a16:creationId xmlns:a16="http://schemas.microsoft.com/office/drawing/2014/main" id="{9EE074B7-A0DF-544E-A181-24115935452A}"/>
+              </a:ext>
+            </a:extLst>
+          </p:cNvPr>
+          <p:cNvSpPr/>
+          <p:nvPr/>
+        </p:nvSpPr>
+        <p:spPr>
+          <a:xfrm>
+            <a:off x="8998427" y="5520642"/>
+            <a:ext cx="3092901" cy="691979"/>
+          </a:xfrm>
+          <a:prstGeom prst="borderCallout2">
+            <a:avLst>
+              <a:gd name="adj1" fmla="val 50893"/>
+              <a:gd name="adj2" fmla="val -742"/>
+              <a:gd name="adj3" fmla="val 50893"/>
+              <a:gd name="adj4" fmla="val -12672"/>
+              <a:gd name="adj5" fmla="val -197281"/>
+              <a:gd name="adj6" fmla="val -45053"/>
+            </a:avLst>
+          </a:prstGeom>
+          <a:solidFill>
+            <a:schemeClr val="bg1"/>
+          </a:solidFill>
+          <a:ln w="38100">
+            <a:solidFill>
+              <a:schemeClr val="tx1"/>
+            </a:solidFill>
+            <a:tailEnd type="triangle" w="med" len="lg"/>
+          </a:ln>
+        </p:spPr>
+        <p:style>
+          <a:lnRef idx="2">
+            <a:schemeClr val="accent1">
+              <a:shade val="50000"/>
+            </a:schemeClr>
+          </a:lnRef>
+          <a:fillRef idx="1">
+            <a:schemeClr val="accent1"/>
+          </a:fillRef>
+          <a:effectRef idx="0">
+            <a:schemeClr val="accent1"/>
+          </a:effectRef>
+          <a:fontRef idx="minor">
+            <a:schemeClr val="lt1"/>
+          </a:fontRef>
+        </p:style>
+        <p:txBody>
+          <a:bodyPr rtlCol="0" anchor="ctr" anchorCtr="0"/>
+          <a:lstStyle/>
+          <a:p>
+            <a:pPr algn="ctr"/>
+            <a:r>
+              <a:rPr lang="en-US" dirty="0">
+                <a:solidFill>
+                  <a:schemeClr val="tx1"/>
+                </a:solidFill>
+              </a:rPr>
+              <a:t>click here to re-render this section as Short Plot</a:t>
+            </a:r>
+          </a:p>
+        </p:txBody>
+      </p:sp>
+      <p:sp>
+        <p:nvSpPr>
+          <p:cNvPr id="20" name="Rectangle 19">
+            <a:extLst>
+              <a:ext uri="{FF2B5EF4-FFF2-40B4-BE49-F238E27FC236}">
+                <a16:creationId xmlns:a16="http://schemas.microsoft.com/office/drawing/2014/main" id="{32C821C7-E06F-214F-A8BA-A7F61E909F76}"/>
+              </a:ext>
+            </a:extLst>
+          </p:cNvPr>
+          <p:cNvSpPr/>
+          <p:nvPr/>
+        </p:nvSpPr>
+        <p:spPr>
+          <a:xfrm>
+            <a:off x="8196512" y="2317295"/>
+            <a:ext cx="1603831" cy="2003338"/>
+          </a:xfrm>
+          <a:prstGeom prst="rect">
+            <a:avLst/>
+          </a:prstGeom>
+        </p:spPr>
+        <p:style>
+          <a:lnRef idx="2">
+            <a:schemeClr val="accent1">
+              <a:shade val="50000"/>
+            </a:schemeClr>
+          </a:lnRef>
+          <a:fillRef idx="1">
+            <a:schemeClr val="accent1"/>
+          </a:fillRef>
+          <a:effectRef idx="0">
+            <a:schemeClr val="accent1"/>
+          </a:effectRef>
+          <a:fontRef idx="minor">
+            <a:schemeClr val="lt1"/>
+          </a:fontRef>
+        </p:style>
+        <p:txBody>
+          <a:bodyPr rtlCol="0" anchor="ctr"/>
+          <a:lstStyle/>
+          <a:p>
+            <a:pPr algn="ctr"/>
+            <a:r>
+              <a:rPr lang="en-US" dirty="0"/>
+              <a:t>Director(s)</a:t>
+            </a:r>
+          </a:p>
+          <a:p>
+            <a:pPr algn="ctr"/>
+            <a:r>
+              <a:rPr lang="en-US" dirty="0"/>
+              <a:t>Actors(s)</a:t>
+            </a:r>
+          </a:p>
+          <a:p>
+            <a:pPr algn="ctr"/>
+            <a:r>
+              <a:rPr lang="en-US" dirty="0"/>
+              <a:t>Awards</a:t>
+            </a:r>
+          </a:p>
+          <a:p>
+            <a:pPr algn="ctr"/>
+            <a:r>
+              <a:rPr lang="en-US" dirty="0"/>
+              <a:t>Box Office</a:t>
+            </a:r>
+          </a:p>
+          <a:p>
+            <a:pPr algn="ctr"/>
+            <a:r>
+              <a:rPr lang="en-US" dirty="0" err="1"/>
+              <a:t>etc</a:t>
+            </a:r>
+            <a:endParaRPr lang="en-US" dirty="0"/>
+          </a:p>
+        </p:txBody>
+      </p:sp>
+    </p:spTree>
+    <p:extLst>
+      <p:ext uri="{BB962C8B-B14F-4D97-AF65-F5344CB8AC3E}">
+        <p14:creationId xmlns:p14="http://schemas.microsoft.com/office/powerpoint/2010/main" val="3949950660"/>
+      </p:ext>
+    </p:extLst>
+  </p:cSld>
+  <p:clrMapOvr>
+    <a:masterClrMapping/>
+  </p:clrMapOvr>
+</p:sld>
+</file>
+
+<file path=ppt/slides/slide6.xml><?xml version="1.0" encoding="utf-8"?>
+<p:sld xmlns:a="http://schemas.openxmlformats.org/drawingml/2006/main" xmlns:r="http://schemas.openxmlformats.org/officeDocument/2006/relationships" xmlns:p="http://schemas.openxmlformats.org/presentationml/2006/main">
+  <p:cSld>
+    <p:spTree>
+      <p:nvGrpSpPr>
+        <p:cNvPr id="1" name=""/>
+        <p:cNvGrpSpPr/>
+        <p:nvPr/>
+      </p:nvGrpSpPr>
+      <p:grpSpPr>
+        <a:xfrm>
+          <a:off x="0" y="0"/>
+          <a:ext cx="0" cy="0"/>
+          <a:chOff x="0" y="0"/>
+          <a:chExt cx="0" cy="0"/>
+        </a:xfrm>
+      </p:grpSpPr>
+      <p:sp>
+        <p:nvSpPr>
           <p:cNvPr id="4" name="TextBox 3">
             <a:extLst>
               <a:ext uri="{FF2B5EF4-FFF2-40B4-BE49-F238E27FC236}">
@@ -6295,10 +7197,1191 @@
       </p:sp>
       <p:sp>
         <p:nvSpPr>
-          <p:cNvPr id="5" name="TextBox 4">
-            <a:extLst>
-              <a:ext uri="{FF2B5EF4-FFF2-40B4-BE49-F238E27FC236}">
-                <a16:creationId xmlns:a16="http://schemas.microsoft.com/office/drawing/2014/main" id="{5498D8E9-A398-C448-8175-63D447663993}"/>
+          <p:cNvPr id="2" name="Rounded Rectangle 1">
+            <a:extLst>
+              <a:ext uri="{FF2B5EF4-FFF2-40B4-BE49-F238E27FC236}">
+                <a16:creationId xmlns:a16="http://schemas.microsoft.com/office/drawing/2014/main" id="{D4EABE4A-3E05-9C41-8FD4-8546AF6FD0E4}"/>
+              </a:ext>
+            </a:extLst>
+          </p:cNvPr>
+          <p:cNvSpPr/>
+          <p:nvPr/>
+        </p:nvSpPr>
+        <p:spPr>
+          <a:xfrm>
+            <a:off x="864974" y="-1"/>
+            <a:ext cx="5449329" cy="6858001"/>
+          </a:xfrm>
+          <a:prstGeom prst="roundRect">
+            <a:avLst/>
+          </a:prstGeom>
+        </p:spPr>
+        <p:style>
+          <a:lnRef idx="2">
+            <a:schemeClr val="accent1">
+              <a:shade val="50000"/>
+            </a:schemeClr>
+          </a:lnRef>
+          <a:fillRef idx="1">
+            <a:schemeClr val="accent1"/>
+          </a:fillRef>
+          <a:effectRef idx="0">
+            <a:schemeClr val="accent1"/>
+          </a:effectRef>
+          <a:fontRef idx="minor">
+            <a:schemeClr val="lt1"/>
+          </a:fontRef>
+        </p:style>
+        <p:txBody>
+          <a:bodyPr rtlCol="0" anchor="ctr"/>
+          <a:lstStyle/>
+          <a:p>
+            <a:pPr algn="ctr"/>
+            <a:endParaRPr lang="en-US"/>
+          </a:p>
+        </p:txBody>
+      </p:sp>
+      <p:sp>
+        <p:nvSpPr>
+          <p:cNvPr id="3" name="Rounded Rectangle 2">
+            <a:extLst>
+              <a:ext uri="{FF2B5EF4-FFF2-40B4-BE49-F238E27FC236}">
+                <a16:creationId xmlns:a16="http://schemas.microsoft.com/office/drawing/2014/main" id="{641468AF-356E-4147-939B-EC4D007FD31C}"/>
+              </a:ext>
+            </a:extLst>
+          </p:cNvPr>
+          <p:cNvSpPr/>
+          <p:nvPr/>
+        </p:nvSpPr>
+        <p:spPr>
+          <a:xfrm>
+            <a:off x="864974" y="0"/>
+            <a:ext cx="5449329" cy="979272"/>
+          </a:xfrm>
+          <a:prstGeom prst="roundRect">
+            <a:avLst/>
+          </a:prstGeom>
+          <a:solidFill>
+            <a:schemeClr val="accent2"/>
+          </a:solidFill>
+        </p:spPr>
+        <p:style>
+          <a:lnRef idx="2">
+            <a:schemeClr val="accent1">
+              <a:shade val="50000"/>
+            </a:schemeClr>
+          </a:lnRef>
+          <a:fillRef idx="1">
+            <a:schemeClr val="accent1"/>
+          </a:fillRef>
+          <a:effectRef idx="0">
+            <a:schemeClr val="accent1"/>
+          </a:effectRef>
+          <a:fontRef idx="minor">
+            <a:schemeClr val="lt1"/>
+          </a:fontRef>
+        </p:style>
+        <p:txBody>
+          <a:bodyPr rtlCol="0" anchor="ctr"/>
+          <a:lstStyle/>
+          <a:p>
+            <a:pPr algn="ctr"/>
+            <a:r>
+              <a:rPr lang="en-US" dirty="0"/>
+              <a:t>Header</a:t>
+            </a:r>
+          </a:p>
+        </p:txBody>
+      </p:sp>
+      <p:sp>
+        <p:nvSpPr>
+          <p:cNvPr id="8" name="Rounded Rectangle 7">
+            <a:extLst>
+              <a:ext uri="{FF2B5EF4-FFF2-40B4-BE49-F238E27FC236}">
+                <a16:creationId xmlns:a16="http://schemas.microsoft.com/office/drawing/2014/main" id="{4F0D1179-AB6A-DA4D-9F3C-5497AC2A9BC5}"/>
+              </a:ext>
+            </a:extLst>
+          </p:cNvPr>
+          <p:cNvSpPr/>
+          <p:nvPr/>
+        </p:nvSpPr>
+        <p:spPr>
+          <a:xfrm>
+            <a:off x="864973" y="5878728"/>
+            <a:ext cx="5449329" cy="979272"/>
+          </a:xfrm>
+          <a:prstGeom prst="roundRect">
+            <a:avLst/>
+          </a:prstGeom>
+          <a:solidFill>
+            <a:schemeClr val="accent2"/>
+          </a:solidFill>
+        </p:spPr>
+        <p:style>
+          <a:lnRef idx="2">
+            <a:schemeClr val="accent1">
+              <a:shade val="50000"/>
+            </a:schemeClr>
+          </a:lnRef>
+          <a:fillRef idx="1">
+            <a:schemeClr val="accent1"/>
+          </a:fillRef>
+          <a:effectRef idx="0">
+            <a:schemeClr val="accent1"/>
+          </a:effectRef>
+          <a:fontRef idx="minor">
+            <a:schemeClr val="lt1"/>
+          </a:fontRef>
+        </p:style>
+        <p:txBody>
+          <a:bodyPr rtlCol="0" anchor="ctr"/>
+          <a:lstStyle/>
+          <a:p>
+            <a:pPr algn="ctr"/>
+            <a:r>
+              <a:rPr lang="en-US" dirty="0"/>
+              <a:t>Footer</a:t>
+            </a:r>
+          </a:p>
+        </p:txBody>
+      </p:sp>
+      <p:sp>
+        <p:nvSpPr>
+          <p:cNvPr id="9" name="Rounded Rectangle 8">
+            <a:extLst>
+              <a:ext uri="{FF2B5EF4-FFF2-40B4-BE49-F238E27FC236}">
+                <a16:creationId xmlns:a16="http://schemas.microsoft.com/office/drawing/2014/main" id="{1276926D-6F4F-2446-BF5D-61C58305F535}"/>
+              </a:ext>
+            </a:extLst>
+          </p:cNvPr>
+          <p:cNvSpPr/>
+          <p:nvPr/>
+        </p:nvSpPr>
+        <p:spPr>
+          <a:xfrm>
+            <a:off x="3729680" y="0"/>
+            <a:ext cx="2584622" cy="370703"/>
+          </a:xfrm>
+          <a:prstGeom prst="roundRect">
+            <a:avLst/>
+          </a:prstGeom>
+          <a:solidFill>
+            <a:schemeClr val="accent6">
+              <a:lumMod val="75000"/>
+            </a:schemeClr>
+          </a:solidFill>
+        </p:spPr>
+        <p:style>
+          <a:lnRef idx="2">
+            <a:schemeClr val="accent1">
+              <a:shade val="50000"/>
+            </a:schemeClr>
+          </a:lnRef>
+          <a:fillRef idx="1">
+            <a:schemeClr val="accent1"/>
+          </a:fillRef>
+          <a:effectRef idx="0">
+            <a:schemeClr val="accent1"/>
+          </a:effectRef>
+          <a:fontRef idx="minor">
+            <a:schemeClr val="lt1"/>
+          </a:fontRef>
+        </p:style>
+        <p:txBody>
+          <a:bodyPr rtlCol="0" anchor="ctr"/>
+          <a:lstStyle/>
+          <a:p>
+            <a:pPr algn="ctr"/>
+            <a:r>
+              <a:rPr lang="en-US" dirty="0"/>
+              <a:t>Nav</a:t>
+            </a:r>
+          </a:p>
+        </p:txBody>
+      </p:sp>
+      <p:sp>
+        <p:nvSpPr>
+          <p:cNvPr id="13" name="Rounded Rectangle 12">
+            <a:extLst>
+              <a:ext uri="{FF2B5EF4-FFF2-40B4-BE49-F238E27FC236}">
+                <a16:creationId xmlns:a16="http://schemas.microsoft.com/office/drawing/2014/main" id="{FC5E569D-A8F8-2F44-BA5F-E597C26AC500}"/>
+              </a:ext>
+            </a:extLst>
+          </p:cNvPr>
+          <p:cNvSpPr/>
+          <p:nvPr/>
+        </p:nvSpPr>
+        <p:spPr>
+          <a:xfrm>
+            <a:off x="6429634" y="979272"/>
+            <a:ext cx="5449329" cy="979272"/>
+          </a:xfrm>
+          <a:prstGeom prst="roundRect">
+            <a:avLst/>
+          </a:prstGeom>
+          <a:solidFill>
+            <a:schemeClr val="accent2"/>
+          </a:solidFill>
+        </p:spPr>
+        <p:style>
+          <a:lnRef idx="2">
+            <a:schemeClr val="accent1">
+              <a:shade val="50000"/>
+            </a:schemeClr>
+          </a:lnRef>
+          <a:fillRef idx="1">
+            <a:schemeClr val="accent1"/>
+          </a:fillRef>
+          <a:effectRef idx="0">
+            <a:schemeClr val="accent1"/>
+          </a:effectRef>
+          <a:fontRef idx="minor">
+            <a:schemeClr val="lt1"/>
+          </a:fontRef>
+        </p:style>
+        <p:txBody>
+          <a:bodyPr rtlCol="0" anchor="ctr"/>
+          <a:lstStyle/>
+          <a:p>
+            <a:pPr algn="ctr"/>
+            <a:r>
+              <a:rPr lang="en-US" dirty="0"/>
+              <a:t>Header</a:t>
+            </a:r>
+          </a:p>
+        </p:txBody>
+      </p:sp>
+      <p:sp>
+        <p:nvSpPr>
+          <p:cNvPr id="6" name="Rectangle 5">
+            <a:extLst>
+              <a:ext uri="{FF2B5EF4-FFF2-40B4-BE49-F238E27FC236}">
+                <a16:creationId xmlns:a16="http://schemas.microsoft.com/office/drawing/2014/main" id="{1E68D5B2-A71E-2A47-87D5-0AE79F56941E}"/>
+              </a:ext>
+            </a:extLst>
+          </p:cNvPr>
+          <p:cNvSpPr/>
+          <p:nvPr/>
+        </p:nvSpPr>
+        <p:spPr>
+          <a:xfrm>
+            <a:off x="6623222" y="1207643"/>
+            <a:ext cx="1878227" cy="567390"/>
+          </a:xfrm>
+          <a:prstGeom prst="rect">
+            <a:avLst/>
+          </a:prstGeom>
+        </p:spPr>
+        <p:style>
+          <a:lnRef idx="2">
+            <a:schemeClr val="accent1">
+              <a:shade val="50000"/>
+            </a:schemeClr>
+          </a:lnRef>
+          <a:fillRef idx="1">
+            <a:schemeClr val="accent1"/>
+          </a:fillRef>
+          <a:effectRef idx="0">
+            <a:schemeClr val="accent1"/>
+          </a:effectRef>
+          <a:fontRef idx="minor">
+            <a:schemeClr val="lt1"/>
+          </a:fontRef>
+        </p:style>
+        <p:txBody>
+          <a:bodyPr rtlCol="0" anchor="ctr"/>
+          <a:lstStyle/>
+          <a:p>
+            <a:pPr algn="ctr"/>
+            <a:r>
+              <a:rPr lang="en-US" dirty="0"/>
+              <a:t>Logo &amp; Site Title</a:t>
+            </a:r>
+          </a:p>
+        </p:txBody>
+      </p:sp>
+      <p:sp>
+        <p:nvSpPr>
+          <p:cNvPr id="14" name="Rounded Rectangle 13">
+            <a:extLst>
+              <a:ext uri="{FF2B5EF4-FFF2-40B4-BE49-F238E27FC236}">
+                <a16:creationId xmlns:a16="http://schemas.microsoft.com/office/drawing/2014/main" id="{22C0DB47-22C9-4645-A00E-CFF6AAB46003}"/>
+              </a:ext>
+            </a:extLst>
+          </p:cNvPr>
+          <p:cNvSpPr/>
+          <p:nvPr/>
+        </p:nvSpPr>
+        <p:spPr>
+          <a:xfrm>
+            <a:off x="6429633" y="5389092"/>
+            <a:ext cx="5449329" cy="979272"/>
+          </a:xfrm>
+          <a:prstGeom prst="roundRect">
+            <a:avLst/>
+          </a:prstGeom>
+          <a:solidFill>
+            <a:schemeClr val="accent2"/>
+          </a:solidFill>
+        </p:spPr>
+        <p:style>
+          <a:lnRef idx="2">
+            <a:schemeClr val="accent1">
+              <a:shade val="50000"/>
+            </a:schemeClr>
+          </a:lnRef>
+          <a:fillRef idx="1">
+            <a:schemeClr val="accent1"/>
+          </a:fillRef>
+          <a:effectRef idx="0">
+            <a:schemeClr val="accent1"/>
+          </a:effectRef>
+          <a:fontRef idx="minor">
+            <a:schemeClr val="lt1"/>
+          </a:fontRef>
+        </p:style>
+        <p:txBody>
+          <a:bodyPr rtlCol="0" anchor="ctr"/>
+          <a:lstStyle/>
+          <a:p>
+            <a:pPr algn="ctr"/>
+            <a:r>
+              <a:rPr lang="en-US" dirty="0"/>
+              <a:t>Footer</a:t>
+            </a:r>
+          </a:p>
+          <a:p>
+            <a:pPr algn="ctr"/>
+            <a:r>
+              <a:rPr lang="en-US" dirty="0"/>
+              <a:t>return to list (link)</a:t>
+            </a:r>
+          </a:p>
+          <a:p>
+            <a:pPr algn="ctr"/>
+            <a:r>
+              <a:rPr lang="en-US" dirty="0"/>
+              <a:t>socials links/logos (</a:t>
+            </a:r>
+            <a:r>
+              <a:rPr lang="en-US" dirty="0" err="1"/>
+              <a:t>CaseyBook</a:t>
+            </a:r>
+            <a:r>
+              <a:rPr lang="en-US" dirty="0"/>
+              <a:t>)</a:t>
+            </a:r>
+          </a:p>
+        </p:txBody>
+      </p:sp>
+      <p:sp>
+        <p:nvSpPr>
+          <p:cNvPr id="12" name="Rounded Rectangle 11">
+            <a:extLst>
+              <a:ext uri="{FF2B5EF4-FFF2-40B4-BE49-F238E27FC236}">
+                <a16:creationId xmlns:a16="http://schemas.microsoft.com/office/drawing/2014/main" id="{065616F9-2BE3-9D42-AEC1-4EBC5F997506}"/>
+              </a:ext>
+            </a:extLst>
+          </p:cNvPr>
+          <p:cNvSpPr/>
+          <p:nvPr/>
+        </p:nvSpPr>
+        <p:spPr>
+          <a:xfrm>
+            <a:off x="8981303" y="1092142"/>
+            <a:ext cx="2747319" cy="231001"/>
+          </a:xfrm>
+          <a:prstGeom prst="roundRect">
+            <a:avLst/>
+          </a:prstGeom>
+          <a:solidFill>
+            <a:schemeClr val="accent6">
+              <a:lumMod val="75000"/>
+            </a:schemeClr>
+          </a:solidFill>
+        </p:spPr>
+        <p:style>
+          <a:lnRef idx="2">
+            <a:schemeClr val="accent1">
+              <a:shade val="50000"/>
+            </a:schemeClr>
+          </a:lnRef>
+          <a:fillRef idx="1">
+            <a:schemeClr val="accent1"/>
+          </a:fillRef>
+          <a:effectRef idx="0">
+            <a:schemeClr val="accent1"/>
+          </a:effectRef>
+          <a:fontRef idx="minor">
+            <a:schemeClr val="lt1"/>
+          </a:fontRef>
+        </p:style>
+        <p:txBody>
+          <a:bodyPr rtlCol="0" anchor="ctr"/>
+          <a:lstStyle/>
+          <a:p>
+            <a:pPr algn="ctr"/>
+            <a:r>
+              <a:rPr lang="en-US" sz="1000" dirty="0"/>
+              <a:t>Nav: Return to movie list (home) | Sign in/log in</a:t>
+            </a:r>
+            <a:endParaRPr lang="en-US" dirty="0"/>
+          </a:p>
+        </p:txBody>
+      </p:sp>
+    </p:spTree>
+    <p:extLst>
+      <p:ext uri="{BB962C8B-B14F-4D97-AF65-F5344CB8AC3E}">
+        <p14:creationId xmlns:p14="http://schemas.microsoft.com/office/powerpoint/2010/main" val="2530867001"/>
+      </p:ext>
+    </p:extLst>
+  </p:cSld>
+  <p:clrMapOvr>
+    <a:masterClrMapping/>
+  </p:clrMapOvr>
+</p:sld>
+</file>
+
+<file path=ppt/slides/slide7.xml><?xml version="1.0" encoding="utf-8"?>
+<p:sld xmlns:a="http://schemas.openxmlformats.org/drawingml/2006/main" xmlns:r="http://schemas.openxmlformats.org/officeDocument/2006/relationships" xmlns:p="http://schemas.openxmlformats.org/presentationml/2006/main">
+  <p:cSld>
+    <p:spTree>
+      <p:nvGrpSpPr>
+        <p:cNvPr id="1" name=""/>
+        <p:cNvGrpSpPr/>
+        <p:nvPr/>
+      </p:nvGrpSpPr>
+      <p:grpSpPr>
+        <a:xfrm>
+          <a:off x="0" y="0"/>
+          <a:ext cx="0" cy="0"/>
+          <a:chOff x="0" y="0"/>
+          <a:chExt cx="0" cy="0"/>
+        </a:xfrm>
+      </p:grpSpPr>
+      <p:pic>
+        <p:nvPicPr>
+          <p:cNvPr id="4" name="Picture 3">
+            <a:extLst>
+              <a:ext uri="{FF2B5EF4-FFF2-40B4-BE49-F238E27FC236}">
+                <a16:creationId xmlns:a16="http://schemas.microsoft.com/office/drawing/2014/main" id="{422BF79E-51E9-F04F-BFA7-FC905D21E53A}"/>
+              </a:ext>
+            </a:extLst>
+          </p:cNvPr>
+          <p:cNvPicPr>
+            <a:picLocks noChangeAspect="1"/>
+          </p:cNvPicPr>
+          <p:nvPr/>
+        </p:nvPicPr>
+        <p:blipFill>
+          <a:blip r:embed="rId2"/>
+          <a:stretch>
+            <a:fillRect/>
+          </a:stretch>
+        </p:blipFill>
+        <p:spPr>
+          <a:xfrm>
+            <a:off x="1675199" y="4044607"/>
+            <a:ext cx="8470900" cy="1536700"/>
+          </a:xfrm>
+          <a:prstGeom prst="rect">
+            <a:avLst/>
+          </a:prstGeom>
+        </p:spPr>
+      </p:pic>
+      <p:pic>
+        <p:nvPicPr>
+          <p:cNvPr id="5" name="Picture 4">
+            <a:extLst>
+              <a:ext uri="{FF2B5EF4-FFF2-40B4-BE49-F238E27FC236}">
+                <a16:creationId xmlns:a16="http://schemas.microsoft.com/office/drawing/2014/main" id="{47A7C742-49F3-F346-ABDB-4A155B452043}"/>
+              </a:ext>
+            </a:extLst>
+          </p:cNvPr>
+          <p:cNvPicPr>
+            <a:picLocks noChangeAspect="1"/>
+          </p:cNvPicPr>
+          <p:nvPr/>
+        </p:nvPicPr>
+        <p:blipFill>
+          <a:blip r:embed="rId3"/>
+          <a:stretch>
+            <a:fillRect/>
+          </a:stretch>
+        </p:blipFill>
+        <p:spPr>
+          <a:xfrm>
+            <a:off x="0" y="3206460"/>
+            <a:ext cx="12192000" cy="445080"/>
+          </a:xfrm>
+          <a:prstGeom prst="rect">
+            <a:avLst/>
+          </a:prstGeom>
+        </p:spPr>
+      </p:pic>
+    </p:spTree>
+    <p:extLst>
+      <p:ext uri="{BB962C8B-B14F-4D97-AF65-F5344CB8AC3E}">
+        <p14:creationId xmlns:p14="http://schemas.microsoft.com/office/powerpoint/2010/main" val="788270982"/>
+      </p:ext>
+    </p:extLst>
+  </p:cSld>
+  <p:clrMapOvr>
+    <a:masterClrMapping/>
+  </p:clrMapOvr>
+</p:sld>
+</file>
+
+<file path=ppt/slides/slide8.xml><?xml version="1.0" encoding="utf-8"?>
+<p:sld xmlns:a="http://schemas.openxmlformats.org/drawingml/2006/main" xmlns:r="http://schemas.openxmlformats.org/officeDocument/2006/relationships" xmlns:p="http://schemas.openxmlformats.org/presentationml/2006/main">
+  <p:cSld>
+    <p:spTree>
+      <p:nvGrpSpPr>
+        <p:cNvPr id="1" name=""/>
+        <p:cNvGrpSpPr/>
+        <p:nvPr/>
+      </p:nvGrpSpPr>
+      <p:grpSpPr>
+        <a:xfrm>
+          <a:off x="0" y="0"/>
+          <a:ext cx="0" cy="0"/>
+          <a:chOff x="0" y="0"/>
+          <a:chExt cx="0" cy="0"/>
+        </a:xfrm>
+      </p:grpSpPr>
+      <p:grpSp>
+        <p:nvGrpSpPr>
+          <p:cNvPr id="12" name="Group 11">
+            <a:extLst>
+              <a:ext uri="{FF2B5EF4-FFF2-40B4-BE49-F238E27FC236}">
+                <a16:creationId xmlns:a16="http://schemas.microsoft.com/office/drawing/2014/main" id="{76AC3739-EAC1-2C4A-82BE-0E3014F3B622}"/>
+              </a:ext>
+            </a:extLst>
+          </p:cNvPr>
+          <p:cNvGrpSpPr/>
+          <p:nvPr/>
+        </p:nvGrpSpPr>
+        <p:grpSpPr>
+          <a:xfrm>
+            <a:off x="739346" y="259491"/>
+            <a:ext cx="10713308" cy="1371600"/>
+            <a:chOff x="1136822" y="1260389"/>
+            <a:chExt cx="10713308" cy="1371600"/>
+          </a:xfrm>
+        </p:grpSpPr>
+        <p:sp>
+          <p:nvSpPr>
+            <p:cNvPr id="4" name="Rectangle 3">
+              <a:extLst>
+                <a:ext uri="{FF2B5EF4-FFF2-40B4-BE49-F238E27FC236}">
+                  <a16:creationId xmlns:a16="http://schemas.microsoft.com/office/drawing/2014/main" id="{61800E5D-7A52-AE40-B45D-C01FC41B1D00}"/>
+                </a:ext>
+              </a:extLst>
+            </p:cNvPr>
+            <p:cNvSpPr/>
+            <p:nvPr/>
+          </p:nvSpPr>
+          <p:spPr>
+            <a:xfrm>
+              <a:off x="1136822" y="1260389"/>
+              <a:ext cx="10713308" cy="1371600"/>
+            </a:xfrm>
+            <a:prstGeom prst="rect">
+              <a:avLst/>
+            </a:prstGeom>
+            <a:solidFill>
+              <a:schemeClr val="accent2"/>
+            </a:solidFill>
+          </p:spPr>
+          <p:style>
+            <a:lnRef idx="2">
+              <a:schemeClr val="accent1">
+                <a:shade val="50000"/>
+              </a:schemeClr>
+            </a:lnRef>
+            <a:fillRef idx="1">
+              <a:schemeClr val="accent1"/>
+            </a:fillRef>
+            <a:effectRef idx="0">
+              <a:schemeClr val="accent1"/>
+            </a:effectRef>
+            <a:fontRef idx="minor">
+              <a:schemeClr val="lt1"/>
+            </a:fontRef>
+          </p:style>
+          <p:txBody>
+            <a:bodyPr rtlCol="0" anchor="ctr"/>
+            <a:lstStyle/>
+            <a:p>
+              <a:pPr algn="ctr"/>
+              <a:endParaRPr lang="en-US"/>
+            </a:p>
+          </p:txBody>
+        </p:sp>
+        <p:grpSp>
+          <p:nvGrpSpPr>
+            <p:cNvPr id="9" name="Group 8">
+              <a:extLst>
+                <a:ext uri="{FF2B5EF4-FFF2-40B4-BE49-F238E27FC236}">
+                  <a16:creationId xmlns:a16="http://schemas.microsoft.com/office/drawing/2014/main" id="{630C93A3-D407-D84A-8BDF-BC6D26044509}"/>
+                </a:ext>
+              </a:extLst>
+            </p:cNvPr>
+            <p:cNvGrpSpPr/>
+            <p:nvPr/>
+          </p:nvGrpSpPr>
+          <p:grpSpPr>
+            <a:xfrm>
+              <a:off x="1260390" y="1430294"/>
+              <a:ext cx="3089189" cy="1031789"/>
+              <a:chOff x="1136822" y="3429000"/>
+              <a:chExt cx="3089189" cy="1031789"/>
+            </a:xfrm>
+          </p:grpSpPr>
+          <p:sp>
+            <p:nvSpPr>
+              <p:cNvPr id="5" name="Rectangle 4">
+                <a:extLst>
+                  <a:ext uri="{FF2B5EF4-FFF2-40B4-BE49-F238E27FC236}">
+                    <a16:creationId xmlns:a16="http://schemas.microsoft.com/office/drawing/2014/main" id="{771A3BC5-84B4-FD48-A0B8-84C9514FB0D0}"/>
+                  </a:ext>
+                </a:extLst>
+              </p:cNvPr>
+              <p:cNvSpPr/>
+              <p:nvPr/>
+            </p:nvSpPr>
+            <p:spPr>
+              <a:xfrm>
+                <a:off x="1136822" y="3429000"/>
+                <a:ext cx="3089189" cy="1031789"/>
+              </a:xfrm>
+              <a:prstGeom prst="rect">
+                <a:avLst/>
+              </a:prstGeom>
+              <a:solidFill>
+                <a:schemeClr val="accent6">
+                  <a:lumMod val="75000"/>
+                </a:schemeClr>
+              </a:solidFill>
+            </p:spPr>
+            <p:style>
+              <a:lnRef idx="2">
+                <a:schemeClr val="accent1">
+                  <a:shade val="50000"/>
+                </a:schemeClr>
+              </a:lnRef>
+              <a:fillRef idx="1">
+                <a:schemeClr val="accent1"/>
+              </a:fillRef>
+              <a:effectRef idx="0">
+                <a:schemeClr val="accent1"/>
+              </a:effectRef>
+              <a:fontRef idx="minor">
+                <a:schemeClr val="lt1"/>
+              </a:fontRef>
+            </p:style>
+            <p:txBody>
+              <a:bodyPr rtlCol="0" anchor="t" anchorCtr="0"/>
+              <a:lstStyle/>
+              <a:p>
+                <a:pPr algn="ctr"/>
+                <a:endParaRPr lang="en-US" dirty="0"/>
+              </a:p>
+            </p:txBody>
+          </p:sp>
+          <p:grpSp>
+            <p:nvGrpSpPr>
+              <p:cNvPr id="8" name="Group 7">
+                <a:extLst>
+                  <a:ext uri="{FF2B5EF4-FFF2-40B4-BE49-F238E27FC236}">
+                    <a16:creationId xmlns:a16="http://schemas.microsoft.com/office/drawing/2014/main" id="{E792B012-6CF1-D14F-9875-ECD4C59CE8FE}"/>
+                  </a:ext>
+                </a:extLst>
+              </p:cNvPr>
+              <p:cNvGrpSpPr/>
+              <p:nvPr/>
+            </p:nvGrpSpPr>
+            <p:grpSpPr>
+              <a:xfrm>
+                <a:off x="1334123" y="3549477"/>
+                <a:ext cx="2694586" cy="790833"/>
+                <a:chOff x="4732638" y="4917989"/>
+                <a:chExt cx="2694586" cy="790833"/>
+              </a:xfrm>
+            </p:grpSpPr>
+            <p:sp>
+              <p:nvSpPr>
+                <p:cNvPr id="6" name="Rectangle 5">
+                  <a:extLst>
+                    <a:ext uri="{FF2B5EF4-FFF2-40B4-BE49-F238E27FC236}">
+                      <a16:creationId xmlns:a16="http://schemas.microsoft.com/office/drawing/2014/main" id="{42546405-662F-554F-8600-44BE22D4266C}"/>
+                    </a:ext>
+                  </a:extLst>
+                </p:cNvPr>
+                <p:cNvSpPr/>
+                <p:nvPr/>
+              </p:nvSpPr>
+              <p:spPr>
+                <a:xfrm>
+                  <a:off x="4732638" y="4917989"/>
+                  <a:ext cx="1382335" cy="790833"/>
+                </a:xfrm>
+                <a:prstGeom prst="rect">
+                  <a:avLst/>
+                </a:prstGeom>
+              </p:spPr>
+              <p:style>
+                <a:lnRef idx="2">
+                  <a:schemeClr val="accent1">
+                    <a:shade val="50000"/>
+                  </a:schemeClr>
+                </a:lnRef>
+                <a:fillRef idx="1">
+                  <a:schemeClr val="accent1"/>
+                </a:fillRef>
+                <a:effectRef idx="0">
+                  <a:schemeClr val="accent1"/>
+                </a:effectRef>
+                <a:fontRef idx="minor">
+                  <a:schemeClr val="lt1"/>
+                </a:fontRef>
+              </p:style>
+              <p:txBody>
+                <a:bodyPr rtlCol="0" anchor="ctr"/>
+                <a:lstStyle/>
+                <a:p>
+                  <a:pPr algn="ctr"/>
+                  <a:r>
+                    <a:rPr lang="en-US" dirty="0"/>
+                    <a:t>Logo</a:t>
+                  </a:r>
+                </a:p>
+              </p:txBody>
+            </p:sp>
+            <p:sp>
+              <p:nvSpPr>
+                <p:cNvPr id="7" name="Rectangle 6">
+                  <a:extLst>
+                    <a:ext uri="{FF2B5EF4-FFF2-40B4-BE49-F238E27FC236}">
+                      <a16:creationId xmlns:a16="http://schemas.microsoft.com/office/drawing/2014/main" id="{9B29A244-6B56-9246-982F-EB1EEC6D46D5}"/>
+                    </a:ext>
+                  </a:extLst>
+                </p:cNvPr>
+                <p:cNvSpPr/>
+                <p:nvPr/>
+              </p:nvSpPr>
+              <p:spPr>
+                <a:xfrm>
+                  <a:off x="6212548" y="4917989"/>
+                  <a:ext cx="1214676" cy="790833"/>
+                </a:xfrm>
+                <a:prstGeom prst="rect">
+                  <a:avLst/>
+                </a:prstGeom>
+              </p:spPr>
+              <p:style>
+                <a:lnRef idx="2">
+                  <a:schemeClr val="accent1">
+                    <a:shade val="50000"/>
+                  </a:schemeClr>
+                </a:lnRef>
+                <a:fillRef idx="1">
+                  <a:schemeClr val="accent1"/>
+                </a:fillRef>
+                <a:effectRef idx="0">
+                  <a:schemeClr val="accent1"/>
+                </a:effectRef>
+                <a:fontRef idx="minor">
+                  <a:schemeClr val="lt1"/>
+                </a:fontRef>
+              </p:style>
+              <p:txBody>
+                <a:bodyPr rtlCol="0" anchor="ctr"/>
+                <a:lstStyle/>
+                <a:p>
+                  <a:pPr algn="ctr"/>
+                  <a:r>
+                    <a:rPr lang="en-US" dirty="0"/>
+                    <a:t>Site Name</a:t>
+                  </a:r>
+                </a:p>
+              </p:txBody>
+            </p:sp>
+          </p:grpSp>
+        </p:grpSp>
+        <p:sp>
+          <p:nvSpPr>
+            <p:cNvPr id="10" name="Rectangle 9">
+              <a:extLst>
+                <a:ext uri="{FF2B5EF4-FFF2-40B4-BE49-F238E27FC236}">
+                  <a16:creationId xmlns:a16="http://schemas.microsoft.com/office/drawing/2014/main" id="{7B9A2590-7F63-F54D-A126-9F0BA7E6BA46}"/>
+                </a:ext>
+              </a:extLst>
+            </p:cNvPr>
+            <p:cNvSpPr/>
+            <p:nvPr/>
+          </p:nvSpPr>
+          <p:spPr>
+            <a:xfrm>
+              <a:off x="8822724" y="1729810"/>
+              <a:ext cx="2903840" cy="432753"/>
+            </a:xfrm>
+            <a:prstGeom prst="rect">
+              <a:avLst/>
+            </a:prstGeom>
+            <a:solidFill>
+              <a:schemeClr val="accent6">
+                <a:lumMod val="75000"/>
+              </a:schemeClr>
+            </a:solidFill>
+          </p:spPr>
+          <p:style>
+            <a:lnRef idx="2">
+              <a:schemeClr val="accent1">
+                <a:shade val="50000"/>
+              </a:schemeClr>
+            </a:lnRef>
+            <a:fillRef idx="1">
+              <a:schemeClr val="accent1"/>
+            </a:fillRef>
+            <a:effectRef idx="0">
+              <a:schemeClr val="accent1"/>
+            </a:effectRef>
+            <a:fontRef idx="minor">
+              <a:schemeClr val="lt1"/>
+            </a:fontRef>
+          </p:style>
+          <p:txBody>
+            <a:bodyPr rtlCol="0" anchor="ctr"/>
+            <a:lstStyle/>
+            <a:p>
+              <a:pPr algn="ctr"/>
+              <a:r>
+                <a:rPr lang="en-US" dirty="0"/>
+                <a:t>Sign in Link &amp; Other Links</a:t>
+              </a:r>
+            </a:p>
+          </p:txBody>
+        </p:sp>
+        <p:sp>
+          <p:nvSpPr>
+            <p:cNvPr id="11" name="Rectangle 10">
+              <a:extLst>
+                <a:ext uri="{FF2B5EF4-FFF2-40B4-BE49-F238E27FC236}">
+                  <a16:creationId xmlns:a16="http://schemas.microsoft.com/office/drawing/2014/main" id="{47BE367B-EAC4-C14B-B976-01744C5D7CDB}"/>
+                </a:ext>
+              </a:extLst>
+            </p:cNvPr>
+            <p:cNvSpPr/>
+            <p:nvPr/>
+          </p:nvSpPr>
+          <p:spPr>
+            <a:xfrm>
+              <a:off x="5134231" y="1580052"/>
+              <a:ext cx="2903840" cy="732268"/>
+            </a:xfrm>
+            <a:prstGeom prst="rect">
+              <a:avLst/>
+            </a:prstGeom>
+            <a:solidFill>
+              <a:schemeClr val="accent6">
+                <a:lumMod val="75000"/>
+              </a:schemeClr>
+            </a:solidFill>
+          </p:spPr>
+          <p:style>
+            <a:lnRef idx="2">
+              <a:schemeClr val="accent1">
+                <a:shade val="50000"/>
+              </a:schemeClr>
+            </a:lnRef>
+            <a:fillRef idx="1">
+              <a:schemeClr val="accent1"/>
+            </a:fillRef>
+            <a:effectRef idx="0">
+              <a:schemeClr val="accent1"/>
+            </a:effectRef>
+            <a:fontRef idx="minor">
+              <a:schemeClr val="lt1"/>
+            </a:fontRef>
+          </p:style>
+          <p:txBody>
+            <a:bodyPr rtlCol="0" anchor="ctr"/>
+            <a:lstStyle/>
+            <a:p>
+              <a:pPr algn="ctr"/>
+              <a:r>
+                <a:rPr lang="en-US" dirty="0"/>
+                <a:t>Search Bar</a:t>
+              </a:r>
+            </a:p>
+          </p:txBody>
+        </p:sp>
+      </p:grpSp>
+      <p:sp>
+        <p:nvSpPr>
+          <p:cNvPr id="17" name="Line Callout 2 16">
+            <a:extLst>
+              <a:ext uri="{FF2B5EF4-FFF2-40B4-BE49-F238E27FC236}">
+                <a16:creationId xmlns:a16="http://schemas.microsoft.com/office/drawing/2014/main" id="{FC76A522-7811-BB44-AE1B-7A3A7D57404F}"/>
+              </a:ext>
+            </a:extLst>
+          </p:cNvPr>
+          <p:cNvSpPr/>
+          <p:nvPr/>
+        </p:nvSpPr>
+        <p:spPr>
+          <a:xfrm>
+            <a:off x="3668304" y="2860588"/>
+            <a:ext cx="3092901" cy="691979"/>
+          </a:xfrm>
+          <a:prstGeom prst="borderCallout2">
+            <a:avLst>
+              <a:gd name="adj1" fmla="val 50893"/>
+              <a:gd name="adj2" fmla="val -742"/>
+              <a:gd name="adj3" fmla="val 50893"/>
+              <a:gd name="adj4" fmla="val -12672"/>
+              <a:gd name="adj5" fmla="val -215138"/>
+              <a:gd name="adj6" fmla="val -38661"/>
+            </a:avLst>
+          </a:prstGeom>
+          <a:solidFill>
+            <a:schemeClr val="bg1"/>
+          </a:solidFill>
+          <a:ln w="38100">
+            <a:solidFill>
+              <a:schemeClr val="tx1"/>
+            </a:solidFill>
+            <a:tailEnd type="triangle" w="med" len="lg"/>
+          </a:ln>
+        </p:spPr>
+        <p:style>
+          <a:lnRef idx="2">
+            <a:schemeClr val="accent1">
+              <a:shade val="50000"/>
+            </a:schemeClr>
+          </a:lnRef>
+          <a:fillRef idx="1">
+            <a:schemeClr val="accent1"/>
+          </a:fillRef>
+          <a:effectRef idx="0">
+            <a:schemeClr val="accent1"/>
+          </a:effectRef>
+          <a:fontRef idx="minor">
+            <a:schemeClr val="lt1"/>
+          </a:fontRef>
+        </p:style>
+        <p:txBody>
+          <a:bodyPr rtlCol="0" anchor="ctr" anchorCtr="0"/>
+          <a:lstStyle/>
+          <a:p>
+            <a:pPr algn="ctr"/>
+            <a:r>
+              <a:rPr lang="en-US" dirty="0">
+                <a:solidFill>
+                  <a:schemeClr val="tx1"/>
+                </a:solidFill>
+              </a:rPr>
+              <a:t>Contains link to main page (</a:t>
+            </a:r>
+            <a:r>
+              <a:rPr lang="en-US" dirty="0" err="1">
+                <a:solidFill>
+                  <a:schemeClr val="tx1"/>
+                </a:solidFill>
+              </a:rPr>
+              <a:t>MovieList</a:t>
+            </a:r>
+            <a:r>
+              <a:rPr lang="en-US" dirty="0">
+                <a:solidFill>
+                  <a:schemeClr val="tx1"/>
+                </a:solidFill>
+              </a:rPr>
+              <a:t>)</a:t>
+            </a:r>
+          </a:p>
+        </p:txBody>
+      </p:sp>
+      <p:sp>
+        <p:nvSpPr>
+          <p:cNvPr id="18" name="Line Callout 2 17">
+            <a:extLst>
+              <a:ext uri="{FF2B5EF4-FFF2-40B4-BE49-F238E27FC236}">
+                <a16:creationId xmlns:a16="http://schemas.microsoft.com/office/drawing/2014/main" id="{A5B1A54C-038C-1644-B292-2109FC98BA62}"/>
+              </a:ext>
+            </a:extLst>
+          </p:cNvPr>
+          <p:cNvSpPr/>
+          <p:nvPr/>
+        </p:nvSpPr>
+        <p:spPr>
+          <a:xfrm>
+            <a:off x="5896639" y="4090085"/>
+            <a:ext cx="3092901" cy="2039003"/>
+          </a:xfrm>
+          <a:prstGeom prst="borderCallout2">
+            <a:avLst>
+              <a:gd name="adj1" fmla="val 50893"/>
+              <a:gd name="adj2" fmla="val 99937"/>
+              <a:gd name="adj3" fmla="val 50893"/>
+              <a:gd name="adj4" fmla="val 109981"/>
+              <a:gd name="adj5" fmla="val -144199"/>
+              <a:gd name="adj6" fmla="val 133132"/>
+            </a:avLst>
+          </a:prstGeom>
+          <a:solidFill>
+            <a:schemeClr val="bg1"/>
+          </a:solidFill>
+          <a:ln w="38100">
+            <a:solidFill>
+              <a:schemeClr val="tx1"/>
+            </a:solidFill>
+            <a:tailEnd type="triangle" w="med" len="lg"/>
+          </a:ln>
+        </p:spPr>
+        <p:style>
+          <a:lnRef idx="2">
+            <a:schemeClr val="accent1">
+              <a:shade val="50000"/>
+            </a:schemeClr>
+          </a:lnRef>
+          <a:fillRef idx="1">
+            <a:schemeClr val="accent1"/>
+          </a:fillRef>
+          <a:effectRef idx="0">
+            <a:schemeClr val="accent1"/>
+          </a:effectRef>
+          <a:fontRef idx="minor">
+            <a:schemeClr val="lt1"/>
+          </a:fontRef>
+        </p:style>
+        <p:txBody>
+          <a:bodyPr rtlCol="0" anchor="ctr" anchorCtr="0"/>
+          <a:lstStyle/>
+          <a:p>
+            <a:pPr algn="ctr"/>
+            <a:r>
+              <a:rPr lang="en-US" dirty="0">
+                <a:solidFill>
+                  <a:schemeClr val="tx1"/>
+                </a:solidFill>
+              </a:rPr>
+              <a:t>Clicking “sign-in” causes username and password box to fill section.</a:t>
+            </a:r>
+          </a:p>
+          <a:p>
+            <a:pPr algn="ctr"/>
+            <a:endParaRPr lang="en-US" dirty="0">
+              <a:solidFill>
+                <a:schemeClr val="tx1"/>
+              </a:solidFill>
+            </a:endParaRPr>
+          </a:p>
+          <a:p>
+            <a:pPr algn="ctr"/>
+            <a:r>
+              <a:rPr lang="en-US" dirty="0">
+                <a:solidFill>
+                  <a:schemeClr val="tx1"/>
+                </a:solidFill>
+              </a:rPr>
+              <a:t>Once sign in is complete, “sign in” is replaced with username and links are visible again.</a:t>
+            </a:r>
+          </a:p>
+        </p:txBody>
+      </p:sp>
+      <p:sp>
+        <p:nvSpPr>
+          <p:cNvPr id="19" name="Line Callout 2 18">
+            <a:extLst>
+              <a:ext uri="{FF2B5EF4-FFF2-40B4-BE49-F238E27FC236}">
+                <a16:creationId xmlns:a16="http://schemas.microsoft.com/office/drawing/2014/main" id="{C7F105D9-CBDD-014F-90A6-BDC0353076FD}"/>
+              </a:ext>
+            </a:extLst>
+          </p:cNvPr>
+          <p:cNvSpPr/>
+          <p:nvPr/>
+        </p:nvSpPr>
+        <p:spPr>
+          <a:xfrm>
+            <a:off x="6266933" y="1848940"/>
+            <a:ext cx="3092901" cy="888211"/>
+          </a:xfrm>
+          <a:prstGeom prst="borderCallout2">
+            <a:avLst>
+              <a:gd name="adj1" fmla="val 50893"/>
+              <a:gd name="adj2" fmla="val -742"/>
+              <a:gd name="adj3" fmla="val 50893"/>
+              <a:gd name="adj4" fmla="val -12672"/>
+              <a:gd name="adj5" fmla="val -74586"/>
+              <a:gd name="adj6" fmla="val -30271"/>
+            </a:avLst>
+          </a:prstGeom>
+          <a:solidFill>
+            <a:schemeClr val="bg1"/>
+          </a:solidFill>
+          <a:ln w="38100">
+            <a:solidFill>
+              <a:schemeClr val="tx1"/>
+            </a:solidFill>
+            <a:tailEnd type="triangle" w="med" len="lg"/>
+          </a:ln>
+        </p:spPr>
+        <p:style>
+          <a:lnRef idx="2">
+            <a:schemeClr val="accent1">
+              <a:shade val="50000"/>
+            </a:schemeClr>
+          </a:lnRef>
+          <a:fillRef idx="1">
+            <a:schemeClr val="accent1"/>
+          </a:fillRef>
+          <a:effectRef idx="0">
+            <a:schemeClr val="accent1"/>
+          </a:effectRef>
+          <a:fontRef idx="minor">
+            <a:schemeClr val="lt1"/>
+          </a:fontRef>
+        </p:style>
+        <p:txBody>
+          <a:bodyPr rtlCol="0" anchor="ctr" anchorCtr="0"/>
+          <a:lstStyle/>
+          <a:p>
+            <a:pPr algn="ctr"/>
+            <a:r>
+              <a:rPr lang="en-US" dirty="0">
+                <a:solidFill>
+                  <a:schemeClr val="tx1"/>
+                </a:solidFill>
+              </a:rPr>
+              <a:t>if we want this, we’ll need an additional “</a:t>
+            </a:r>
+            <a:r>
+              <a:rPr lang="en-US" dirty="0" err="1">
+                <a:solidFill>
+                  <a:schemeClr val="tx1"/>
+                </a:solidFill>
+              </a:rPr>
+              <a:t>SearchResults</a:t>
+            </a:r>
+            <a:r>
+              <a:rPr lang="en-US" dirty="0">
+                <a:solidFill>
+                  <a:schemeClr val="tx1"/>
+                </a:solidFill>
+              </a:rPr>
+              <a:t>” component</a:t>
+            </a:r>
+          </a:p>
+        </p:txBody>
+      </p:sp>
+      <p:sp>
+        <p:nvSpPr>
+          <p:cNvPr id="20" name="TextBox 19">
+            <a:extLst>
+              <a:ext uri="{FF2B5EF4-FFF2-40B4-BE49-F238E27FC236}">
+                <a16:creationId xmlns:a16="http://schemas.microsoft.com/office/drawing/2014/main" id="{116A2318-1DC5-4345-B19F-89D04EF19669}"/>
               </a:ext>
             </a:extLst>
           </p:cNvPr>
@@ -6307,8 +8390,8 @@
         </p:nvSpPr>
         <p:spPr>
           <a:xfrm>
-            <a:off x="0" y="0"/>
-            <a:ext cx="3694670" cy="2031325"/>
+            <a:off x="0" y="5934670"/>
+            <a:ext cx="2014151" cy="923330"/>
           </a:xfrm>
           <a:prstGeom prst="rect">
             <a:avLst/>
@@ -6327,70 +8410,8 @@
           <a:lstStyle/>
           <a:p>
             <a:r>
-              <a:rPr lang="en-US" dirty="0"/>
-              <a:t>Bronze (</a:t>
-            </a:r>
-            <a:r>
-              <a:rPr lang="en-US" dirty="0" err="1"/>
-              <a:t>mvp</a:t>
-            </a:r>
-            <a:r>
-              <a:rPr lang="en-US" dirty="0"/>
-              <a:t>)</a:t>
-            </a:r>
-          </a:p>
-          <a:p>
-            <a:pPr marL="285750" indent="-285750">
-              <a:buFont typeface="Arial" panose="020B0604020202020204" pitchFamily="34" charset="0"/>
-              <a:buChar char="•"/>
-            </a:pPr>
-            <a:r>
-              <a:rPr lang="en-US" dirty="0"/>
-              <a:t>list of pre-defined movies</a:t>
-            </a:r>
-          </a:p>
-          <a:p>
-            <a:pPr marL="285750" indent="-285750">
-              <a:buFont typeface="Arial" panose="020B0604020202020204" pitchFamily="34" charset="0"/>
-              <a:buChar char="•"/>
-            </a:pPr>
-            <a:r>
-              <a:rPr lang="en-US" dirty="0" err="1"/>
-              <a:t>api</a:t>
-            </a:r>
-            <a:r>
-              <a:rPr lang="en-US" dirty="0"/>
-              <a:t> data for each</a:t>
-            </a:r>
-          </a:p>
-          <a:p>
-            <a:pPr marL="285750" indent="-285750">
-              <a:buFont typeface="Arial" panose="020B0604020202020204" pitchFamily="34" charset="0"/>
-              <a:buChar char="•"/>
-            </a:pPr>
-            <a:r>
-              <a:rPr lang="en-US" dirty="0"/>
-              <a:t>separate view with info for each</a:t>
-            </a:r>
-          </a:p>
-          <a:p>
-            <a:pPr marL="742950" lvl="1" indent="-285750">
-              <a:buFont typeface="Arial" panose="020B0604020202020204" pitchFamily="34" charset="0"/>
-              <a:buChar char="•"/>
-            </a:pPr>
-            <a:r>
-              <a:rPr lang="en-US" dirty="0"/>
-              <a:t>routes and links</a:t>
-            </a:r>
-          </a:p>
-          <a:p>
-            <a:pPr marL="285750" indent="-285750">
-              <a:buFont typeface="Arial" panose="020B0604020202020204" pitchFamily="34" charset="0"/>
-              <a:buChar char="•"/>
-            </a:pPr>
-            <a:r>
-              <a:rPr lang="en-US" dirty="0"/>
-              <a:t>minimal styling, no images</a:t>
+              <a:rPr lang="en-US" sz="3600" b="1" dirty="0"/>
+              <a:t>Header</a:t>
             </a:r>
           </a:p>
           <a:p>
@@ -6398,12 +8419,42 @@
           </a:p>
         </p:txBody>
       </p:sp>
-      <p:sp>
-        <p:nvSpPr>
-          <p:cNvPr id="2" name="Rounded Rectangle 1">
-            <a:extLst>
-              <a:ext uri="{FF2B5EF4-FFF2-40B4-BE49-F238E27FC236}">
-                <a16:creationId xmlns:a16="http://schemas.microsoft.com/office/drawing/2014/main" id="{D4EABE4A-3E05-9C41-8FD4-8546AF6FD0E4}"/>
+    </p:spTree>
+    <p:extLst>
+      <p:ext uri="{BB962C8B-B14F-4D97-AF65-F5344CB8AC3E}">
+        <p14:creationId xmlns:p14="http://schemas.microsoft.com/office/powerpoint/2010/main" val="1616462726"/>
+      </p:ext>
+    </p:extLst>
+  </p:cSld>
+  <p:clrMapOvr>
+    <a:masterClrMapping/>
+  </p:clrMapOvr>
+</p:sld>
+</file>
+
+<file path=ppt/slides/slide9.xml><?xml version="1.0" encoding="utf-8"?>
+<p:sld xmlns:a="http://schemas.openxmlformats.org/drawingml/2006/main" xmlns:r="http://schemas.openxmlformats.org/officeDocument/2006/relationships" xmlns:p="http://schemas.openxmlformats.org/presentationml/2006/main">
+  <p:cSld>
+    <p:spTree>
+      <p:nvGrpSpPr>
+        <p:cNvPr id="1" name=""/>
+        <p:cNvGrpSpPr/>
+        <p:nvPr/>
+      </p:nvGrpSpPr>
+      <p:grpSpPr>
+        <a:xfrm>
+          <a:off x="0" y="0"/>
+          <a:ext cx="0" cy="0"/>
+          <a:chOff x="0" y="0"/>
+          <a:chExt cx="0" cy="0"/>
+        </a:xfrm>
+      </p:grpSpPr>
+      <p:sp>
+        <p:nvSpPr>
+          <p:cNvPr id="4" name="Rectangle 3">
+            <a:extLst>
+              <a:ext uri="{FF2B5EF4-FFF2-40B4-BE49-F238E27FC236}">
+                <a16:creationId xmlns:a16="http://schemas.microsoft.com/office/drawing/2014/main" id="{61800E5D-7A52-AE40-B45D-C01FC41B1D00}"/>
               </a:ext>
             </a:extLst>
           </p:cNvPr>
@@ -6412,12 +8463,15 @@
         </p:nvSpPr>
         <p:spPr>
           <a:xfrm>
-            <a:off x="864974" y="-1"/>
-            <a:ext cx="5449329" cy="6858001"/>
-          </a:xfrm>
-          <a:prstGeom prst="roundRect">
+            <a:off x="739346" y="259491"/>
+            <a:ext cx="10713308" cy="1251664"/>
+          </a:xfrm>
+          <a:prstGeom prst="rect">
             <a:avLst/>
           </a:prstGeom>
+          <a:solidFill>
+            <a:schemeClr val="accent2"/>
+          </a:solidFill>
         </p:spPr>
         <p:style>
           <a:lnRef idx="2">
@@ -6446,10 +8500,10 @@
       </p:sp>
       <p:sp>
         <p:nvSpPr>
-          <p:cNvPr id="3" name="Rounded Rectangle 2">
-            <a:extLst>
-              <a:ext uri="{FF2B5EF4-FFF2-40B4-BE49-F238E27FC236}">
-                <a16:creationId xmlns:a16="http://schemas.microsoft.com/office/drawing/2014/main" id="{641468AF-356E-4147-939B-EC4D007FD31C}"/>
+          <p:cNvPr id="6" name="Rectangle 5">
+            <a:extLst>
+              <a:ext uri="{FF2B5EF4-FFF2-40B4-BE49-F238E27FC236}">
+                <a16:creationId xmlns:a16="http://schemas.microsoft.com/office/drawing/2014/main" id="{42546405-662F-554F-8600-44BE22D4266C}"/>
               </a:ext>
             </a:extLst>
           </p:cNvPr>
@@ -6458,15 +8512,12 @@
         </p:nvSpPr>
         <p:spPr>
           <a:xfrm>
-            <a:off x="864974" y="0"/>
-            <a:ext cx="5449329" cy="979272"/>
-          </a:xfrm>
-          <a:prstGeom prst="roundRect">
+            <a:off x="739346" y="259489"/>
+            <a:ext cx="1274805" cy="1251665"/>
+          </a:xfrm>
+          <a:prstGeom prst="rect">
             <a:avLst/>
           </a:prstGeom>
-          <a:solidFill>
-            <a:schemeClr val="accent2"/>
-          </a:solidFill>
         </p:spPr>
         <p:style>
           <a:lnRef idx="2">
@@ -6491,17 +8542,17 @@
             <a:pPr algn="ctr"/>
             <a:r>
               <a:rPr lang="en-US" dirty="0"/>
-              <a:t>Header</a:t>
-            </a:r>
-          </a:p>
-        </p:txBody>
-      </p:sp>
-      <p:sp>
-        <p:nvSpPr>
-          <p:cNvPr id="8" name="Rounded Rectangle 7">
-            <a:extLst>
-              <a:ext uri="{FF2B5EF4-FFF2-40B4-BE49-F238E27FC236}">
-                <a16:creationId xmlns:a16="http://schemas.microsoft.com/office/drawing/2014/main" id="{4F0D1179-AB6A-DA4D-9F3C-5497AC2A9BC5}"/>
+              <a:t>Logo</a:t>
+            </a:r>
+          </a:p>
+        </p:txBody>
+      </p:sp>
+      <p:sp>
+        <p:nvSpPr>
+          <p:cNvPr id="10" name="Rectangle 9">
+            <a:extLst>
+              <a:ext uri="{FF2B5EF4-FFF2-40B4-BE49-F238E27FC236}">
+                <a16:creationId xmlns:a16="http://schemas.microsoft.com/office/drawing/2014/main" id="{7B9A2590-7F63-F54D-A126-9F0BA7E6BA46}"/>
               </a:ext>
             </a:extLst>
           </p:cNvPr>
@@ -6510,14 +8561,16 @@
         </p:nvSpPr>
         <p:spPr>
           <a:xfrm>
-            <a:off x="864973" y="5878728"/>
-            <a:ext cx="5449329" cy="979272"/>
-          </a:xfrm>
-          <a:prstGeom prst="roundRect">
+            <a:off x="3411495" y="968074"/>
+            <a:ext cx="5369010" cy="312055"/>
+          </a:xfrm>
+          <a:prstGeom prst="rect">
             <a:avLst/>
           </a:prstGeom>
           <a:solidFill>
-            <a:schemeClr val="accent2"/>
+            <a:schemeClr val="accent6">
+              <a:lumMod val="75000"/>
+            </a:schemeClr>
           </a:solidFill>
         </p:spPr>
         <p:style>
@@ -6543,17 +8596,17 @@
             <a:pPr algn="ctr"/>
             <a:r>
               <a:rPr lang="en-US" dirty="0"/>
-              <a:t>Footer</a:t>
-            </a:r>
-          </a:p>
-        </p:txBody>
-      </p:sp>
-      <p:sp>
-        <p:nvSpPr>
-          <p:cNvPr id="9" name="Rounded Rectangle 8">
-            <a:extLst>
-              <a:ext uri="{FF2B5EF4-FFF2-40B4-BE49-F238E27FC236}">
-                <a16:creationId xmlns:a16="http://schemas.microsoft.com/office/drawing/2014/main" id="{1276926D-6F4F-2446-BF5D-61C58305F535}"/>
+              <a:t>Links to various other movie sites??</a:t>
+            </a:r>
+          </a:p>
+        </p:txBody>
+      </p:sp>
+      <p:sp>
+        <p:nvSpPr>
+          <p:cNvPr id="11" name="Rectangle 10">
+            <a:extLst>
+              <a:ext uri="{FF2B5EF4-FFF2-40B4-BE49-F238E27FC236}">
+                <a16:creationId xmlns:a16="http://schemas.microsoft.com/office/drawing/2014/main" id="{47BE367B-EAC4-C14B-B976-01744C5D7CDB}"/>
               </a:ext>
             </a:extLst>
           </p:cNvPr>
@@ -6562,10 +8615,10 @@
         </p:nvSpPr>
         <p:spPr>
           <a:xfrm>
-            <a:off x="3729680" y="0"/>
-            <a:ext cx="2584622" cy="370703"/>
-          </a:xfrm>
-          <a:prstGeom prst="roundRect">
+            <a:off x="4195118" y="457755"/>
+            <a:ext cx="3801764" cy="312055"/>
+          </a:xfrm>
+          <a:prstGeom prst="rect">
             <a:avLst/>
           </a:prstGeom>
           <a:solidFill>
@@ -6597,17 +8650,17 @@
             <a:pPr algn="ctr"/>
             <a:r>
               <a:rPr lang="en-US" dirty="0"/>
-              <a:t>Nav</a:t>
-            </a:r>
-          </a:p>
-        </p:txBody>
-      </p:sp>
-      <p:sp>
-        <p:nvSpPr>
-          <p:cNvPr id="13" name="Rounded Rectangle 12">
-            <a:extLst>
-              <a:ext uri="{FF2B5EF4-FFF2-40B4-BE49-F238E27FC236}">
-                <a16:creationId xmlns:a16="http://schemas.microsoft.com/office/drawing/2014/main" id="{FC5E569D-A8F8-2F44-BA5F-E597C26AC500}"/>
+              <a:t>grouping of social media links/logos</a:t>
+            </a:r>
+          </a:p>
+        </p:txBody>
+      </p:sp>
+      <p:sp>
+        <p:nvSpPr>
+          <p:cNvPr id="17" name="Line Callout 2 16">
+            <a:extLst>
+              <a:ext uri="{FF2B5EF4-FFF2-40B4-BE49-F238E27FC236}">
+                <a16:creationId xmlns:a16="http://schemas.microsoft.com/office/drawing/2014/main" id="{FC76A522-7811-BB44-AE1B-7A3A7D57404F}"/>
               </a:ext>
             </a:extLst>
           </p:cNvPr>
@@ -6616,15 +8669,28 @@
         </p:nvSpPr>
         <p:spPr>
           <a:xfrm>
-            <a:off x="6429634" y="979272"/>
-            <a:ext cx="5449329" cy="979272"/>
-          </a:xfrm>
-          <a:prstGeom prst="roundRect">
-            <a:avLst/>
+            <a:off x="2622298" y="2837316"/>
+            <a:ext cx="3092901" cy="691979"/>
+          </a:xfrm>
+          <a:prstGeom prst="borderCallout2">
+            <a:avLst>
+              <a:gd name="adj1" fmla="val 50893"/>
+              <a:gd name="adj2" fmla="val -742"/>
+              <a:gd name="adj3" fmla="val 50893"/>
+              <a:gd name="adj4" fmla="val -12672"/>
+              <a:gd name="adj5" fmla="val -215138"/>
+              <a:gd name="adj6" fmla="val -38661"/>
+            </a:avLst>
           </a:prstGeom>
           <a:solidFill>
-            <a:schemeClr val="accent2"/>
+            <a:schemeClr val="bg1"/>
           </a:solidFill>
+          <a:ln w="38100">
+            <a:solidFill>
+              <a:schemeClr val="tx1"/>
+            </a:solidFill>
+            <a:tailEnd type="triangle" w="med" len="lg"/>
+          </a:ln>
         </p:spPr>
         <p:style>
           <a:lnRef idx="2">
@@ -6643,37 +8709,116 @@
           </a:fontRef>
         </p:style>
         <p:txBody>
-          <a:bodyPr rtlCol="0" anchor="ctr"/>
-          <a:lstStyle/>
-          <a:p>
-            <a:pPr algn="ctr"/>
-            <a:r>
-              <a:rPr lang="en-US" dirty="0"/>
-              <a:t>Header</a:t>
-            </a:r>
-          </a:p>
-        </p:txBody>
-      </p:sp>
-      <p:sp>
-        <p:nvSpPr>
-          <p:cNvPr id="6" name="Rectangle 5">
-            <a:extLst>
-              <a:ext uri="{FF2B5EF4-FFF2-40B4-BE49-F238E27FC236}">
-                <a16:creationId xmlns:a16="http://schemas.microsoft.com/office/drawing/2014/main" id="{1E68D5B2-A71E-2A47-87D5-0AE79F56941E}"/>
-              </a:ext>
-            </a:extLst>
-          </p:cNvPr>
-          <p:cNvSpPr/>
+          <a:bodyPr rtlCol="0" anchor="ctr" anchorCtr="0"/>
+          <a:lstStyle/>
+          <a:p>
+            <a:pPr algn="ctr"/>
+            <a:r>
+              <a:rPr lang="en-US" dirty="0">
+                <a:solidFill>
+                  <a:schemeClr val="tx1"/>
+                </a:solidFill>
+              </a:rPr>
+              <a:t>Contains link to main page (</a:t>
+            </a:r>
+            <a:r>
+              <a:rPr lang="en-US" dirty="0" err="1">
+                <a:solidFill>
+                  <a:schemeClr val="tx1"/>
+                </a:solidFill>
+              </a:rPr>
+              <a:t>MovieList</a:t>
+            </a:r>
+            <a:r>
+              <a:rPr lang="en-US" dirty="0">
+                <a:solidFill>
+                  <a:schemeClr val="tx1"/>
+                </a:solidFill>
+              </a:rPr>
+              <a:t>)</a:t>
+            </a:r>
+          </a:p>
+        </p:txBody>
+      </p:sp>
+      <p:sp>
+        <p:nvSpPr>
+          <p:cNvPr id="20" name="TextBox 19">
+            <a:extLst>
+              <a:ext uri="{FF2B5EF4-FFF2-40B4-BE49-F238E27FC236}">
+                <a16:creationId xmlns:a16="http://schemas.microsoft.com/office/drawing/2014/main" id="{116A2318-1DC5-4345-B19F-89D04EF19669}"/>
+              </a:ext>
+            </a:extLst>
+          </p:cNvPr>
+          <p:cNvSpPr txBox="1"/>
           <p:nvPr/>
         </p:nvSpPr>
         <p:spPr>
           <a:xfrm>
-            <a:off x="6623222" y="1207643"/>
-            <a:ext cx="1878227" cy="567390"/>
+            <a:off x="0" y="5934670"/>
+            <a:ext cx="2014151" cy="923330"/>
           </a:xfrm>
           <a:prstGeom prst="rect">
             <a:avLst/>
           </a:prstGeom>
+          <a:noFill/>
+          <a:ln>
+            <a:solidFill>
+              <a:schemeClr val="accent1"/>
+            </a:solidFill>
+          </a:ln>
+        </p:spPr>
+        <p:txBody>
+          <a:bodyPr wrap="square" rtlCol="0">
+            <a:spAutoFit/>
+          </a:bodyPr>
+          <a:lstStyle/>
+          <a:p>
+            <a:r>
+              <a:rPr lang="en-US" sz="3600" b="1" dirty="0"/>
+              <a:t>Footer</a:t>
+            </a:r>
+          </a:p>
+          <a:p>
+            <a:endParaRPr lang="en-US" dirty="0"/>
+          </a:p>
+        </p:txBody>
+      </p:sp>
+      <p:sp>
+        <p:nvSpPr>
+          <p:cNvPr id="15" name="Line Callout 2 14">
+            <a:extLst>
+              <a:ext uri="{FF2B5EF4-FFF2-40B4-BE49-F238E27FC236}">
+                <a16:creationId xmlns:a16="http://schemas.microsoft.com/office/drawing/2014/main" id="{A759340F-ED95-5046-8BD2-7012E5C66EC1}"/>
+              </a:ext>
+            </a:extLst>
+          </p:cNvPr>
+          <p:cNvSpPr/>
+          <p:nvPr/>
+        </p:nvSpPr>
+        <p:spPr>
+          <a:xfrm>
+            <a:off x="6724542" y="2967335"/>
+            <a:ext cx="3092901" cy="923330"/>
+          </a:xfrm>
+          <a:prstGeom prst="borderCallout2">
+            <a:avLst>
+              <a:gd name="adj1" fmla="val 50893"/>
+              <a:gd name="adj2" fmla="val 99937"/>
+              <a:gd name="adj3" fmla="val 50893"/>
+              <a:gd name="adj4" fmla="val 109981"/>
+              <a:gd name="adj5" fmla="val -194448"/>
+              <a:gd name="adj6" fmla="val 121546"/>
+            </a:avLst>
+          </a:prstGeom>
+          <a:solidFill>
+            <a:schemeClr val="bg1"/>
+          </a:solidFill>
+          <a:ln w="38100">
+            <a:solidFill>
+              <a:schemeClr val="tx1"/>
+            </a:solidFill>
+            <a:tailEnd type="triangle" w="med" len="lg"/>
+          </a:ln>
         </p:spPr>
         <p:style>
           <a:lnRef idx="2">
@@ -6692,150 +8837,25 @@
           </a:fontRef>
         </p:style>
         <p:txBody>
-          <a:bodyPr rtlCol="0" anchor="ctr"/>
-          <a:lstStyle/>
-          <a:p>
-            <a:pPr algn="ctr"/>
-            <a:r>
-              <a:rPr lang="en-US" dirty="0"/>
-              <a:t>Logo &amp; Site Title</a:t>
-            </a:r>
-          </a:p>
-        </p:txBody>
-      </p:sp>
-      <p:sp>
-        <p:nvSpPr>
-          <p:cNvPr id="14" name="Rounded Rectangle 13">
-            <a:extLst>
-              <a:ext uri="{FF2B5EF4-FFF2-40B4-BE49-F238E27FC236}">
-                <a16:creationId xmlns:a16="http://schemas.microsoft.com/office/drawing/2014/main" id="{22C0DB47-22C9-4645-A00E-CFF6AAB46003}"/>
-              </a:ext>
-            </a:extLst>
-          </p:cNvPr>
-          <p:cNvSpPr/>
-          <p:nvPr/>
-        </p:nvSpPr>
-        <p:spPr>
-          <a:xfrm>
-            <a:off x="6429633" y="5389092"/>
-            <a:ext cx="5449329" cy="979272"/>
-          </a:xfrm>
-          <a:prstGeom prst="roundRect">
-            <a:avLst/>
-          </a:prstGeom>
-          <a:solidFill>
-            <a:schemeClr val="accent2"/>
-          </a:solidFill>
-        </p:spPr>
-        <p:style>
-          <a:lnRef idx="2">
-            <a:schemeClr val="accent1">
-              <a:shade val="50000"/>
-            </a:schemeClr>
-          </a:lnRef>
-          <a:fillRef idx="1">
-            <a:schemeClr val="accent1"/>
-          </a:fillRef>
-          <a:effectRef idx="0">
-            <a:schemeClr val="accent1"/>
-          </a:effectRef>
-          <a:fontRef idx="minor">
-            <a:schemeClr val="lt1"/>
-          </a:fontRef>
-        </p:style>
-        <p:txBody>
-          <a:bodyPr rtlCol="0" anchor="ctr"/>
-          <a:lstStyle/>
-          <a:p>
-            <a:pPr algn="ctr"/>
-            <a:r>
-              <a:rPr lang="en-US" dirty="0"/>
-              <a:t>Footer</a:t>
-            </a:r>
-          </a:p>
-          <a:p>
-            <a:pPr algn="ctr"/>
-            <a:r>
-              <a:rPr lang="en-US" dirty="0"/>
-              <a:t>return to list (link)</a:t>
-            </a:r>
-          </a:p>
-          <a:p>
-            <a:pPr algn="ctr"/>
-            <a:r>
-              <a:rPr lang="en-US" dirty="0"/>
-              <a:t>socials links/logos (</a:t>
-            </a:r>
-            <a:r>
-              <a:rPr lang="en-US" dirty="0" err="1"/>
-              <a:t>CaseyBook</a:t>
-            </a:r>
-            <a:r>
-              <a:rPr lang="en-US" dirty="0"/>
-              <a:t>)</a:t>
-            </a:r>
-          </a:p>
-        </p:txBody>
-      </p:sp>
-      <p:sp>
-        <p:nvSpPr>
-          <p:cNvPr id="12" name="Rounded Rectangle 11">
-            <a:extLst>
-              <a:ext uri="{FF2B5EF4-FFF2-40B4-BE49-F238E27FC236}">
-                <a16:creationId xmlns:a16="http://schemas.microsoft.com/office/drawing/2014/main" id="{065616F9-2BE3-9D42-AEC1-4EBC5F997506}"/>
-              </a:ext>
-            </a:extLst>
-          </p:cNvPr>
-          <p:cNvSpPr/>
-          <p:nvPr/>
-        </p:nvSpPr>
-        <p:spPr>
-          <a:xfrm>
-            <a:off x="8981303" y="1092142"/>
-            <a:ext cx="2747319" cy="231001"/>
-          </a:xfrm>
-          <a:prstGeom prst="roundRect">
-            <a:avLst/>
-          </a:prstGeom>
-          <a:solidFill>
-            <a:schemeClr val="accent6">
-              <a:lumMod val="75000"/>
-            </a:schemeClr>
-          </a:solidFill>
-        </p:spPr>
-        <p:style>
-          <a:lnRef idx="2">
-            <a:schemeClr val="accent1">
-              <a:shade val="50000"/>
-            </a:schemeClr>
-          </a:lnRef>
-          <a:fillRef idx="1">
-            <a:schemeClr val="accent1"/>
-          </a:fillRef>
-          <a:effectRef idx="0">
-            <a:schemeClr val="accent1"/>
-          </a:effectRef>
-          <a:fontRef idx="minor">
-            <a:schemeClr val="lt1"/>
-          </a:fontRef>
-        </p:style>
-        <p:txBody>
-          <a:bodyPr rtlCol="0" anchor="ctr"/>
-          <a:lstStyle/>
-          <a:p>
-            <a:pPr algn="ctr"/>
-            <a:r>
-              <a:rPr lang="en-US" sz="1000" dirty="0"/>
-              <a:t>Nav: Return to movie list (home) | Sign in/log in</a:t>
-            </a:r>
-            <a:endParaRPr lang="en-US" dirty="0"/>
+          <a:bodyPr rtlCol="0" anchor="ctr" anchorCtr="0"/>
+          <a:lstStyle/>
+          <a:p>
+            <a:pPr algn="ctr"/>
+            <a:r>
+              <a:rPr lang="en-US" dirty="0">
+                <a:solidFill>
+                  <a:schemeClr val="tx1"/>
+                </a:solidFill>
+              </a:rPr>
+              <a:t>margin/padding that will balance out logo on LH side</a:t>
+            </a:r>
           </a:p>
         </p:txBody>
       </p:sp>
     </p:spTree>
     <p:extLst>
       <p:ext uri="{BB962C8B-B14F-4D97-AF65-F5344CB8AC3E}">
-        <p14:creationId xmlns:p14="http://schemas.microsoft.com/office/powerpoint/2010/main" val="2530867001"/>
+        <p14:creationId xmlns:p14="http://schemas.microsoft.com/office/powerpoint/2010/main" val="4032582730"/>
       </p:ext>
     </p:extLst>
   </p:cSld>
